--- a/Finansovyj-pomoshnik.pptx
+++ b/Finansovyj-pomoshnik.pptx
@@ -4,16 +4,15 @@
   <p:sldMasterIdLst>
     <p:sldMasterId id="2147483648" r:id="rId1"/>
   </p:sldMasterIdLst>
-  <p:notesMasterIdLst>
-    <p:notesMasterId r:id="rId7"/>
-  </p:notesMasterIdLst>
   <p:sldIdLst>
     <p:sldId id="256" r:id="rId2"/>
     <p:sldId id="257" r:id="rId3"/>
     <p:sldId id="258" r:id="rId4"/>
     <p:sldId id="259" r:id="rId5"/>
-    <p:sldId id="260" r:id="rId6"/>
   </p:sldIdLst>
+  <p:notesMasterIdLst>
+    <p:notesMasterId r:id="rId6"/>
+  </p:notesMasterIdLst>
   <p:sldSz cx="14630400" cy="8229600"/>
   <p:notesSz cx="8229600" cy="14630400"/>
   <p:defaultTextStyle>
@@ -108,20 +107,7 @@
       </a:defRPr>
     </a:lvl9pPr>
   </p:defaultTextStyle>
-  <p:extLst>
-    <p:ext uri="{EFAFB233-063F-42B5-8137-9DF3F51BA10A}">
-      <p15:sldGuideLst xmlns:p15="http://schemas.microsoft.com/office/powerpoint/2012/main"/>
-    </p:ext>
-  </p:extLst>
 </p:presentation>
-</file>
-
-<file path=ppt/revisionInfo.xml><?xml version="1.0" encoding="utf-8"?>
-<p1510:revInfo xmlns:a="http://schemas.openxmlformats.org/drawingml/2006/main" xmlns:r="http://schemas.openxmlformats.org/officeDocument/2006/relationships" xmlns:p1510="http://schemas.microsoft.com/office/powerpoint/2015/10/main">
-  <p1510:revLst>
-    <p1510:client id="{73F96CDA-69FA-4B48-ADC8-F042BE5A9D6D}" v="19" dt="2023-11-03T17:58:46.402"/>
-  </p1510:revLst>
-</p1510:revInfo>
 </file>
 
 <file path=ppt/notesMasters/notesMaster1.xml><?xml version="1.0" encoding="utf-8"?>
@@ -148,7 +134,7 @@
       </p:grpSpPr>
       <p:sp>
         <p:nvSpPr>
-          <p:cNvPr id="2" name="Верхний колонтитул 1"/>
+          <p:cNvPr id="2" name="Header Placeholder 1"/>
           <p:cNvSpPr>
             <a:spLocks noGrp="1"/>
           </p:cNvSpPr>
@@ -159,7 +145,7 @@
         <p:spPr>
           <a:xfrm>
             <a:off x="0" y="0"/>
-            <a:ext cx="3565525" cy="733425"/>
+            <a:ext cx="2971800" cy="458788"/>
           </a:xfrm>
           <a:prstGeom prst="rect">
             <a:avLst/>
@@ -173,13 +159,13 @@
             </a:lvl1pPr>
           </a:lstStyle>
           <a:p>
-            <a:endParaRPr lang="ru-RU"/>
-          </a:p>
-        </p:txBody>
-      </p:sp>
-      <p:sp>
-        <p:nvSpPr>
-          <p:cNvPr id="3" name="Дата 2"/>
+            <a:endParaRPr lang="en-US"/>
+          </a:p>
+        </p:txBody>
+      </p:sp>
+      <p:sp>
+        <p:nvSpPr>
+          <p:cNvPr id="3" name="Date Placeholder 2"/>
           <p:cNvSpPr>
             <a:spLocks noGrp="1"/>
           </p:cNvSpPr>
@@ -189,8 +175,8 @@
         </p:nvSpPr>
         <p:spPr>
           <a:xfrm>
-            <a:off x="4660900" y="0"/>
-            <a:ext cx="3567113" cy="733425"/>
+            <a:off x="3884613" y="0"/>
+            <a:ext cx="2971800" cy="458788"/>
           </a:xfrm>
           <a:prstGeom prst="rect">
             <a:avLst/>
@@ -204,16 +190,17 @@
             </a:lvl1pPr>
           </a:lstStyle>
           <a:p>
-            <a:fld id="{A03EAE07-A3F9-4720-91A3-5030AE5ACD80}" type="datetimeFigureOut">
-              <a:t>03.11.2023</a:t>
+            <a:fld id="{5282F153-3F37-0F45-9E97-73ACFA13230C}" type="datetimeFigureOut">
+              <a:rPr lang="en-US"/>
+              <a:t>7/23/19</a:t>
             </a:fld>
-            <a:endParaRPr lang="ru-RU"/>
-          </a:p>
-        </p:txBody>
-      </p:sp>
-      <p:sp>
-        <p:nvSpPr>
-          <p:cNvPr id="4" name="Образ слайда 3"/>
+            <a:endParaRPr lang="en-US"/>
+          </a:p>
+        </p:txBody>
+      </p:sp>
+      <p:sp>
+        <p:nvSpPr>
+          <p:cNvPr id="4" name="Slide Image Placeholder 3"/>
           <p:cNvSpPr>
             <a:spLocks noGrp="1" noRot="1" noChangeAspect="1"/>
           </p:cNvSpPr>
@@ -223,8 +210,8 @@
         </p:nvSpPr>
         <p:spPr>
           <a:xfrm>
-            <a:off x="-273050" y="1828800"/>
-            <a:ext cx="8775700" cy="4937125"/>
+            <a:off x="685800" y="1143000"/>
+            <a:ext cx="5486400" cy="3086100"/>
           </a:xfrm>
           <a:prstGeom prst="rect">
             <a:avLst/>
@@ -240,13 +227,13 @@
           <a:bodyPr vert="horz" lIns="91440" tIns="45720" rIns="91440" bIns="45720" rtlCol="0" anchor="ctr"/>
           <a:lstStyle/>
           <a:p>
-            <a:endParaRPr lang="ru-RU"/>
-          </a:p>
-        </p:txBody>
-      </p:sp>
-      <p:sp>
-        <p:nvSpPr>
-          <p:cNvPr id="5" name="Заметки 4"/>
+            <a:endParaRPr lang="en-US"/>
+          </a:p>
+        </p:txBody>
+      </p:sp>
+      <p:sp>
+        <p:nvSpPr>
+          <p:cNvPr id="5" name="Notes Placeholder 4"/>
           <p:cNvSpPr>
             <a:spLocks noGrp="1"/>
           </p:cNvSpPr>
@@ -256,8 +243,8 @@
         </p:nvSpPr>
         <p:spPr>
           <a:xfrm>
-            <a:off x="822325" y="7040563"/>
-            <a:ext cx="6584950" cy="5761037"/>
+            <a:off x="685800" y="4400550"/>
+            <a:ext cx="5486400" cy="3600450"/>
           </a:xfrm>
           <a:prstGeom prst="rect">
             <a:avLst/>
@@ -269,43 +256,43 @@
           <a:p>
             <a:pPr lvl="0"/>
             <a:r>
-              <a:rPr lang="ru-RU"/>
-              <a:t>Образец текста</a:t>
+              <a:rPr lang="en-US"/>
+              <a:t>Click to edit Master text styles</a:t>
             </a:r>
           </a:p>
           <a:p>
             <a:pPr lvl="1"/>
             <a:r>
-              <a:rPr lang="ru-RU"/>
-              <a:t>Второй уровень</a:t>
+              <a:rPr lang="en-US"/>
+              <a:t>Second level</a:t>
             </a:r>
           </a:p>
           <a:p>
             <a:pPr lvl="2"/>
             <a:r>
-              <a:rPr lang="ru-RU"/>
-              <a:t>Третий уровень</a:t>
+              <a:rPr lang="en-US"/>
+              <a:t>Third level</a:t>
             </a:r>
           </a:p>
           <a:p>
             <a:pPr lvl="3"/>
             <a:r>
-              <a:rPr lang="ru-RU"/>
-              <a:t>Четвертый уровень</a:t>
+              <a:rPr lang="en-US"/>
+              <a:t>Fourth level</a:t>
             </a:r>
           </a:p>
           <a:p>
             <a:pPr lvl="4"/>
             <a:r>
-              <a:rPr lang="ru-RU"/>
-              <a:t>Пятый уровень</a:t>
+              <a:rPr lang="en-US"/>
+              <a:t>Fifth level</a:t>
             </a:r>
           </a:p>
         </p:txBody>
       </p:sp>
       <p:sp>
         <p:nvSpPr>
-          <p:cNvPr id="6" name="Нижний колонтитул 5"/>
+          <p:cNvPr id="6" name="Footer Placeholder 5"/>
           <p:cNvSpPr>
             <a:spLocks noGrp="1"/>
           </p:cNvSpPr>
@@ -315,8 +302,8 @@
         </p:nvSpPr>
         <p:spPr>
           <a:xfrm>
-            <a:off x="0" y="13896975"/>
-            <a:ext cx="3565525" cy="733425"/>
+            <a:off x="0" y="8685213"/>
+            <a:ext cx="2971800" cy="458787"/>
           </a:xfrm>
           <a:prstGeom prst="rect">
             <a:avLst/>
@@ -330,13 +317,13 @@
             </a:lvl1pPr>
           </a:lstStyle>
           <a:p>
-            <a:endParaRPr lang="ru-RU"/>
-          </a:p>
-        </p:txBody>
-      </p:sp>
-      <p:sp>
-        <p:nvSpPr>
-          <p:cNvPr id="7" name="Номер слайда 6"/>
+            <a:endParaRPr lang="en-US"/>
+          </a:p>
+        </p:txBody>
+      </p:sp>
+      <p:sp>
+        <p:nvSpPr>
+          <p:cNvPr id="7" name="Slide Number Placeholder 6"/>
           <p:cNvSpPr>
             <a:spLocks noGrp="1"/>
           </p:cNvSpPr>
@@ -346,8 +333,8 @@
         </p:nvSpPr>
         <p:spPr>
           <a:xfrm>
-            <a:off x="4660900" y="13896975"/>
-            <a:ext cx="3567113" cy="733425"/>
+            <a:off x="3884613" y="8685213"/>
+            <a:ext cx="2971800" cy="458787"/>
           </a:xfrm>
           <a:prstGeom prst="rect">
             <a:avLst/>
@@ -361,17 +348,18 @@
             </a:lvl1pPr>
           </a:lstStyle>
           <a:p>
-            <a:fld id="{C81F460E-FD7B-463A-B176-884C57F2F2D2}" type="slidenum">
+            <a:fld id="{CE5E9CC1-C706-0F49-92D6-E571CC5EEA8F}" type="slidenum">
+              <a:rPr lang="en-US"/>
               <a:t>‹#›</a:t>
             </a:fld>
-            <a:endParaRPr lang="ru-RU"/>
+            <a:endParaRPr lang="en-US"/>
           </a:p>
         </p:txBody>
       </p:sp>
     </p:spTree>
     <p:extLst>
       <p:ext uri="{BB962C8B-B14F-4D97-AF65-F5344CB8AC3E}">
-        <p14:creationId xmlns:p14="http://schemas.microsoft.com/office/powerpoint/2010/main" val="275827882"/>
+        <p14:creationId xmlns:p14="http://schemas.microsoft.com/office/powerpoint/2010/main" val="1024086991"/>
       </p:ext>
     </p:extLst>
   </p:cSld>
@@ -515,6 +503,10 @@
           <a:bodyPr/>
           <a:lstStyle/>
           <a:p>
+            <a:r>
+              <a:rPr lang="en-US" dirty="0"/>
+              <a:t/>
+            </a:r>
             <a:endParaRPr lang="en-US" dirty="0"/>
           </a:p>
         </p:txBody>
@@ -599,6 +591,10 @@
           <a:bodyPr/>
           <a:lstStyle/>
           <a:p>
+            <a:r>
+              <a:rPr lang="en-US" dirty="0"/>
+              <a:t/>
+            </a:r>
             <a:endParaRPr lang="en-US" dirty="0"/>
           </a:p>
         </p:txBody>
@@ -683,6 +679,10 @@
           <a:bodyPr/>
           <a:lstStyle/>
           <a:p>
+            <a:r>
+              <a:rPr lang="en-US" dirty="0"/>
+              <a:t/>
+            </a:r>
             <a:endParaRPr lang="en-US" dirty="0"/>
           </a:p>
         </p:txBody>
@@ -767,6 +767,10 @@
           <a:bodyPr/>
           <a:lstStyle/>
           <a:p>
+            <a:r>
+              <a:rPr lang="en-US" dirty="0"/>
+              <a:t/>
+            </a:r>
             <a:endParaRPr lang="en-US" dirty="0"/>
           </a:p>
         </p:txBody>
@@ -789,90 +793,6 @@
             <a:fld id="{F7021451-1387-4CA6-816F-3879F97B5CBC}" type="slidenum">
               <a:rPr lang="en-US"/>
               <a:t>4</a:t>
-            </a:fld>
-            <a:endParaRPr lang="en-US"/>
-          </a:p>
-        </p:txBody>
-      </p:sp>
-    </p:spTree>
-    <p:extLst>
-      <p:ext uri="{BB962C8B-B14F-4D97-AF65-F5344CB8AC3E}">
-        <p14:creationId xmlns:p14="http://schemas.microsoft.com/office/powerpoint/2010/main" val="1024086991"/>
-      </p:ext>
-    </p:extLst>
-  </p:cSld>
-  <p:clrMapOvr>
-    <a:masterClrMapping/>
-  </p:clrMapOvr>
-</p:notes>
-</file>
-
-<file path=ppt/notesSlides/notesSlide5.xml><?xml version="1.0" encoding="utf-8"?>
-<p:notes xmlns:a="http://schemas.openxmlformats.org/drawingml/2006/main" xmlns:r="http://schemas.openxmlformats.org/officeDocument/2006/relationships" xmlns:p="http://schemas.openxmlformats.org/presentationml/2006/main">
-  <p:cSld>
-    <p:spTree>
-      <p:nvGrpSpPr>
-        <p:cNvPr id="1" name=""/>
-        <p:cNvGrpSpPr/>
-        <p:nvPr/>
-      </p:nvGrpSpPr>
-      <p:grpSpPr>
-        <a:xfrm>
-          <a:off x="0" y="0"/>
-          <a:ext cx="0" cy="0"/>
-          <a:chOff x="0" y="0"/>
-          <a:chExt cx="0" cy="0"/>
-        </a:xfrm>
-      </p:grpSpPr>
-      <p:sp>
-        <p:nvSpPr>
-          <p:cNvPr id="2" name="Slide Image Placeholder 1"/>
-          <p:cNvSpPr>
-            <a:spLocks noGrp="1" noRot="1" noChangeAspect="1"/>
-          </p:cNvSpPr>
-          <p:nvPr>
-            <p:ph type="sldImg"/>
-          </p:nvPr>
-        </p:nvSpPr>
-        <p:spPr/>
-      </p:sp>
-      <p:sp>
-        <p:nvSpPr>
-          <p:cNvPr id="3" name="Notes Placeholder 2"/>
-          <p:cNvSpPr>
-            <a:spLocks noGrp="1"/>
-          </p:cNvSpPr>
-          <p:nvPr>
-            <p:ph type="body" idx="1"/>
-          </p:nvPr>
-        </p:nvSpPr>
-        <p:spPr/>
-        <p:txBody>
-          <a:bodyPr/>
-          <a:lstStyle/>
-          <a:p>
-            <a:endParaRPr lang="en-US" dirty="0"/>
-          </a:p>
-        </p:txBody>
-      </p:sp>
-      <p:sp>
-        <p:nvSpPr>
-          <p:cNvPr id="4" name="Slide Number Placeholder 3"/>
-          <p:cNvSpPr>
-            <a:spLocks noGrp="1"/>
-          </p:cNvSpPr>
-          <p:nvPr>
-            <p:ph type="sldNum" sz="quarter" idx="10"/>
-          </p:nvPr>
-        </p:nvSpPr>
-        <p:spPr/>
-        <p:txBody>
-          <a:bodyPr/>
-          <a:lstStyle/>
-          <a:p>
-            <a:fld id="{F7021451-1387-4CA6-816F-3879F97B5CBC}" type="slidenum">
-              <a:rPr lang="en-US"/>
-              <a:t>5</a:t>
             </a:fld>
             <a:endParaRPr lang="en-US"/>
           </a:p>
@@ -924,11 +844,6 @@
 <file path=ppt/slideMasters/slideMaster1.xml><?xml version="1.0" encoding="utf-8"?>
 <p:sldMaster xmlns:a="http://schemas.openxmlformats.org/drawingml/2006/main" xmlns:r="http://schemas.openxmlformats.org/officeDocument/2006/relationships" xmlns:p="http://schemas.openxmlformats.org/presentationml/2006/main">
   <p:cSld>
-    <p:bg>
-      <p:bgRef idx="1001">
-        <a:schemeClr val="bg1"/>
-      </p:bgRef>
-    </p:bg>
     <p:spTree>
       <p:nvGrpSpPr>
         <p:cNvPr id="1" name=""/>
@@ -1235,7 +1150,7 @@
             <a:avLst/>
           </a:prstGeom>
           <a:solidFill>
-            <a:srgbClr val="110C17"/>
+            <a:srgbClr val="0C0C0C"/>
           </a:solidFill>
           <a:ln/>
         </p:spPr>
@@ -1255,21 +1170,26 @@
             <a:avLst/>
           </a:prstGeom>
           <a:solidFill>
-            <a:srgbClr val="241631"/>
-          </a:solidFill>
-          <a:ln/>
+            <a:srgbClr val="272525"/>
+          </a:solidFill>
+          <a:ln w="13811">
+            <a:solidFill>
+              <a:srgbClr val="565151"/>
+            </a:solidFill>
+            <a:prstDash val="solid"/>
+          </a:ln>
         </p:spPr>
       </p:sp>
       <p:pic>
         <p:nvPicPr>
-          <p:cNvPr id="4" name="Image 0" descr="preencoded.png"/>
+          <p:cNvPr id="4" name="Image 0" descr="preencoded.png">    </p:cNvPr>
           <p:cNvPicPr>
             <a:picLocks noChangeAspect="1"/>
           </p:cNvPicPr>
           <p:nvPr/>
         </p:nvPicPr>
         <p:blipFill>
-          <a:blip r:embed="rId3"/>
+          <a:blip r:embed="rId1"/>
           <a:stretch>
             <a:fillRect/>
           </a:stretch>
@@ -1292,7 +1212,7 @@
         </p:nvSpPr>
         <p:spPr>
           <a:xfrm>
-            <a:off x="833199" y="2581870"/>
+            <a:off x="833199" y="2079308"/>
             <a:ext cx="7477601" cy="1666399"/>
           </a:xfrm>
           <a:prstGeom prst="rect">
@@ -1305,22 +1225,22 @@
           <a:bodyPr wrap="square" rtlCol="0" anchor="t"/>
           <a:lstStyle/>
           <a:p>
-            <a:pPr marL="0" indent="0">
+            <a:pPr indent="0" marL="0">
               <a:lnSpc>
                 <a:spcPts val="6561"/>
               </a:lnSpc>
               <a:buNone/>
             </a:pPr>
             <a:r>
-              <a:rPr lang="en-US" sz="5249" b="1" dirty="0">
+              <a:rPr lang="en-US" sz="5249" b="1" spc="-157" kern="0" dirty="0">
                 <a:solidFill>
-                  <a:srgbClr val="FF726D"/>
+                  <a:srgbClr val="FFFFFF"/>
                 </a:solidFill>
-                <a:latin typeface="Inconsolata" pitchFamily="34" charset="0"/>
-                <a:ea typeface="Inconsolata" pitchFamily="34" charset="-122"/>
-                <a:cs typeface="Inconsolata" pitchFamily="34" charset="-120"/>
+                <a:latin typeface="Inter" pitchFamily="34" charset="0"/>
+                <a:ea typeface="Inter" pitchFamily="34" charset="-122"/>
+                <a:cs typeface="Inter" pitchFamily="34" charset="-120"/>
               </a:rPr>
-              <a:t>Финансовый помощник на питон</a:t>
+              <a:t>Финансовый помощник</a:t>
             </a:r>
             <a:endParaRPr lang="en-US" sz="5249" dirty="0"/>
           </a:p>
@@ -1334,8 +1254,8 @@
         </p:nvSpPr>
         <p:spPr>
           <a:xfrm>
-            <a:off x="833199" y="4581525"/>
-            <a:ext cx="7477601" cy="1066205"/>
+            <a:off x="833199" y="4078962"/>
+            <a:ext cx="7477601" cy="1421606"/>
           </a:xfrm>
           <a:prstGeom prst="rect">
             <a:avLst/>
@@ -1347,27 +1267,164 @@
           <a:bodyPr wrap="square" rtlCol="0" anchor="t"/>
           <a:lstStyle/>
           <a:p>
-            <a:pPr marL="0" indent="0">
+            <a:pPr indent="0" marL="0">
               <a:lnSpc>
                 <a:spcPts val="2799"/>
               </a:lnSpc>
               <a:buNone/>
             </a:pPr>
             <a:r>
-              <a:rPr lang="en-US" sz="1750" dirty="0">
+              <a:rPr lang="en-US" sz="1750" spc="-35" kern="0" dirty="0">
                 <a:solidFill>
-                  <a:srgbClr val="DAD1E6"/>
+                  <a:srgbClr val="E5E0DF"/>
                 </a:solidFill>
-                <a:latin typeface="Fira Sans" pitchFamily="34" charset="0"/>
-                <a:ea typeface="Fira Sans" pitchFamily="34" charset="-122"/>
-                <a:cs typeface="Fira Sans" pitchFamily="34" charset="-120"/>
+                <a:latin typeface="Inter" pitchFamily="34" charset="0"/>
+                <a:ea typeface="Inter" pitchFamily="34" charset="-122"/>
+                <a:cs typeface="Inter" pitchFamily="34" charset="-120"/>
               </a:rPr>
-              <a:t>Финансовый помощник - это удобный инструмент, который помогает вам контролировать ваши финансы и принимать взвешенные финансовые решения.</a:t>
+              <a:t>Добро пожаловать на презентацию о финансовом помощнике. Узнайте, как эта удивительная программа может помочь вам эффективно управлять своими финансами и достигать ваших финансовых целей.</a:t>
             </a:r>
             <a:endParaRPr lang="en-US" sz="1750" dirty="0"/>
           </a:p>
         </p:txBody>
       </p:sp>
+      <p:sp>
+        <p:nvSpPr>
+          <p:cNvPr id="7" name="Shape 4"/>
+          <p:cNvSpPr/>
+          <p:nvPr/>
+        </p:nvSpPr>
+        <p:spPr>
+          <a:xfrm>
+            <a:off x="833199" y="5750481"/>
+            <a:ext cx="355402" cy="355402"/>
+          </a:xfrm>
+          <a:prstGeom prst="roundRect">
+            <a:avLst>
+              <a:gd name="adj" fmla="val 25726039"/>
+            </a:avLst>
+          </a:prstGeom>
+          <a:solidFill>
+            <a:srgbClr val="E61D2A"/>
+          </a:solidFill>
+          <a:ln w="7620">
+            <a:solidFill>
+              <a:srgbClr val="FFFFFF"/>
+            </a:solidFill>
+            <a:prstDash val="solid"/>
+          </a:ln>
+        </p:spPr>
+      </p:sp>
+      <p:sp>
+        <p:nvSpPr>
+          <p:cNvPr id="8" name="Text 5"/>
+          <p:cNvSpPr/>
+          <p:nvPr/>
+        </p:nvSpPr>
+        <p:spPr>
+          <a:xfrm>
+            <a:off x="908566" y="5745361"/>
+            <a:ext cx="204549" cy="365760"/>
+          </a:xfrm>
+          <a:prstGeom prst="rect">
+            <a:avLst/>
+          </a:prstGeom>
+          <a:noFill/>
+          <a:ln/>
+        </p:spPr>
+        <p:txBody>
+          <a:bodyPr wrap="none" rtlCol="0" anchor="t"/>
+          <a:lstStyle/>
+          <a:p>
+            <a:pPr algn="ctr" indent="0" marL="0">
+              <a:lnSpc>
+                <a:spcPts val="2880"/>
+              </a:lnSpc>
+              <a:buNone/>
+            </a:pPr>
+            <a:r>
+              <a:rPr lang="en-US" sz="1152" spc="-35" kern="0" dirty="0">
+                <a:solidFill>
+                  <a:srgbClr val="FFFFFF"/>
+                </a:solidFill>
+                <a:latin typeface="Inter" pitchFamily="34" charset="0"/>
+                <a:ea typeface="Inter" pitchFamily="34" charset="-122"/>
+                <a:cs typeface="Inter" pitchFamily="34" charset="-120"/>
+              </a:rPr>
+              <a:t>CC</a:t>
+            </a:r>
+            <a:endParaRPr lang="en-US" sz="1152" dirty="0"/>
+          </a:p>
+        </p:txBody>
+      </p:sp>
+      <p:sp>
+        <p:nvSpPr>
+          <p:cNvPr id="9" name="Text 6"/>
+          <p:cNvSpPr/>
+          <p:nvPr/>
+        </p:nvSpPr>
+        <p:spPr>
+          <a:xfrm>
+            <a:off x="1299686" y="5755958"/>
+            <a:ext cx="2966799" cy="388858"/>
+          </a:xfrm>
+          <a:prstGeom prst="rect">
+            <a:avLst/>
+          </a:prstGeom>
+          <a:noFill/>
+          <a:ln/>
+        </p:spPr>
+        <p:txBody>
+          <a:bodyPr wrap="none" rtlCol="0" anchor="t"/>
+          <a:lstStyle/>
+          <a:p>
+            <a:pPr algn="l" indent="0" marL="0">
+              <a:lnSpc>
+                <a:spcPts val="3062"/>
+              </a:lnSpc>
+              <a:buNone/>
+            </a:pPr>
+            <a:r>
+              <a:rPr lang="en-US" sz="2187" b="1" spc="-35" kern="0" dirty="0">
+                <a:solidFill>
+                  <a:srgbClr val="E5E0DF"/>
+                </a:solidFill>
+                <a:latin typeface="Inter" pitchFamily="34" charset="0"/>
+                <a:ea typeface="Inter" pitchFamily="34" charset="-122"/>
+                <a:cs typeface="Inter" pitchFamily="34" charset="-120"/>
+              </a:rPr>
+              <a:t>by Chebupel Chebupel</a:t>
+            </a:r>
+            <a:endParaRPr lang="en-US" sz="2187" dirty="0"/>
+          </a:p>
+        </p:txBody>
+      </p:sp>
+      <p:pic>
+        <p:nvPicPr>
+          <p:cNvPr id="10" name="Image 1" descr="preencoded.png">
+            <a:hlinkClick r:id="rId3" tooltip=""/>
+          </p:cNvPr>
+          <p:cNvPicPr>
+            <a:picLocks noChangeAspect="1"/>
+          </p:cNvPicPr>
+          <p:nvPr/>
+        </p:nvPicPr>
+        <p:blipFill>
+          <a:blip r:embed="rId2"/>
+          <a:stretch>
+            <a:fillRect/>
+          </a:stretch>
+        </p:blipFill>
+        <p:spPr>
+          <a:xfrm>
+            <a:off x="12242153" y="7589520"/>
+            <a:ext cx="2296807" cy="548640"/>
+          </a:xfrm>
+          <a:prstGeom prst="rect">
+            <a:avLst/>
+          </a:prstGeom>
+        </p:spPr>
+      </p:pic>
     </p:spTree>
   </p:cSld>
   <p:clrMapOvr>
@@ -1408,7 +1465,7 @@
             <a:avLst/>
           </a:prstGeom>
           <a:solidFill>
-            <a:srgbClr val="110C17"/>
+            <a:srgbClr val="0C0C0C"/>
           </a:solidFill>
           <a:ln/>
         </p:spPr>
@@ -1428,28 +1485,33 @@
             <a:avLst/>
           </a:prstGeom>
           <a:solidFill>
-            <a:srgbClr val="241631"/>
-          </a:solidFill>
-          <a:ln/>
+            <a:srgbClr val="272525"/>
+          </a:solidFill>
+          <a:ln w="13811">
+            <a:solidFill>
+              <a:srgbClr val="565151"/>
+            </a:solidFill>
+            <a:prstDash val="solid"/>
+          </a:ln>
         </p:spPr>
       </p:sp>
       <p:pic>
         <p:nvPicPr>
-          <p:cNvPr id="4" name="Image 0" descr="preencoded.png"/>
+          <p:cNvPr id="4" name="Image 0" descr="preencoded.png">    </p:cNvPr>
           <p:cNvPicPr>
             <a:picLocks noChangeAspect="1"/>
           </p:cNvPicPr>
           <p:nvPr/>
         </p:nvPicPr>
         <p:blipFill>
-          <a:blip r:embed="rId3"/>
+          <a:blip r:embed="rId1"/>
           <a:stretch>
             <a:fillRect/>
           </a:stretch>
         </p:blipFill>
         <p:spPr>
           <a:xfrm>
-            <a:off x="0" y="0"/>
+            <a:off x="10972800" y="0"/>
             <a:ext cx="3657600" cy="8229600"/>
           </a:xfrm>
           <a:prstGeom prst="rect">
@@ -1465,7 +1527,7 @@
         </p:nvSpPr>
         <p:spPr>
           <a:xfrm>
-            <a:off x="4490799" y="1213961"/>
+            <a:off x="833199" y="1612583"/>
             <a:ext cx="9306401" cy="1388745"/>
           </a:xfrm>
           <a:prstGeom prst="rect">
@@ -1478,22 +1540,22 @@
           <a:bodyPr wrap="square" rtlCol="0" anchor="t"/>
           <a:lstStyle/>
           <a:p>
-            <a:pPr marL="0" indent="0">
+            <a:pPr indent="0" marL="0">
               <a:lnSpc>
                 <a:spcPts val="5468"/>
               </a:lnSpc>
               <a:buNone/>
             </a:pPr>
             <a:r>
-              <a:rPr lang="en-US" sz="4374" b="1" dirty="0">
+              <a:rPr lang="en-US" sz="4374" b="1" spc="-131" kern="0" dirty="0">
                 <a:solidFill>
-                  <a:srgbClr val="FF726D"/>
+                  <a:srgbClr val="FFFFFF"/>
                 </a:solidFill>
-                <a:latin typeface="Inconsolata" pitchFamily="34" charset="0"/>
-                <a:ea typeface="Inconsolata" pitchFamily="34" charset="-122"/>
-                <a:cs typeface="Inconsolata" pitchFamily="34" charset="-120"/>
+                <a:latin typeface="Inter" pitchFamily="34" charset="0"/>
+                <a:ea typeface="Inter" pitchFamily="34" charset="-122"/>
+                <a:cs typeface="Inter" pitchFamily="34" charset="-120"/>
               </a:rPr>
-              <a:t>Основные возможности финансового помощника</a:t>
+              <a:t>Назначение финансового помощника</a:t>
             </a:r>
             <a:endParaRPr lang="en-US" sz="4374" dirty="0"/>
           </a:p>
@@ -1507,70 +1569,35 @@
         </p:nvSpPr>
         <p:spPr>
           <a:xfrm>
-            <a:off x="4810244" y="2935962"/>
-            <a:ext cx="27742" cy="4079558"/>
-          </a:xfrm>
-          <a:prstGeom prst="rect">
-            <a:avLst/>
-          </a:prstGeom>
-          <a:solidFill>
-            <a:srgbClr val="FF6680"/>
-          </a:solidFill>
-          <a:ln/>
-        </p:spPr>
-      </p:sp>
-      <p:sp>
-        <p:nvSpPr>
-          <p:cNvPr id="7" name="Shape 4"/>
-          <p:cNvSpPr/>
-          <p:nvPr/>
-        </p:nvSpPr>
-        <p:spPr>
-          <a:xfrm>
-            <a:off x="5074027" y="3345597"/>
-            <a:ext cx="777597" cy="27742"/>
-          </a:xfrm>
-          <a:prstGeom prst="rect">
-            <a:avLst/>
-          </a:prstGeom>
-          <a:solidFill>
-            <a:srgbClr val="FF6680"/>
-          </a:solidFill>
-          <a:ln/>
-        </p:spPr>
-      </p:sp>
-      <p:sp>
-        <p:nvSpPr>
-          <p:cNvPr id="8" name="Shape 5"/>
-          <p:cNvSpPr/>
-          <p:nvPr/>
-        </p:nvSpPr>
-        <p:spPr>
-          <a:xfrm>
-            <a:off x="4574084" y="3109555"/>
+            <a:off x="833199" y="3508177"/>
             <a:ext cx="499943" cy="499943"/>
           </a:xfrm>
           <a:prstGeom prst="roundRect">
             <a:avLst>
-              <a:gd name="adj" fmla="val 13333"/>
+              <a:gd name="adj" fmla="val 20000"/>
             </a:avLst>
           </a:prstGeom>
           <a:solidFill>
-            <a:srgbClr val="312140"/>
-          </a:solidFill>
-          <a:ln/>
-        </p:spPr>
-      </p:sp>
-      <p:sp>
-        <p:nvSpPr>
-          <p:cNvPr id="9" name="Text 6"/>
-          <p:cNvSpPr/>
-          <p:nvPr/>
-        </p:nvSpPr>
-        <p:spPr>
-          <a:xfrm>
-            <a:off x="4740176" y="3151227"/>
-            <a:ext cx="167640" cy="416481"/>
+            <a:srgbClr val="110080"/>
+          </a:solidFill>
+          <a:ln w="13811">
+            <a:solidFill>
+              <a:srgbClr val="140099"/>
+            </a:solidFill>
+            <a:prstDash val="solid"/>
+          </a:ln>
+        </p:spPr>
+      </p:sp>
+      <p:sp>
+        <p:nvSpPr>
+          <p:cNvPr id="7" name="Text 4"/>
+          <p:cNvSpPr/>
+          <p:nvPr/>
+        </p:nvSpPr>
+        <p:spPr>
+          <a:xfrm>
+            <a:off x="1004292" y="3549848"/>
+            <a:ext cx="157758" cy="416481"/>
           </a:xfrm>
           <a:prstGeom prst="rect">
             <a:avLst/>
@@ -1582,20 +1609,20 @@
           <a:bodyPr wrap="none" rtlCol="0" anchor="t"/>
           <a:lstStyle/>
           <a:p>
-            <a:pPr marL="0" indent="0" algn="ctr">
+            <a:pPr algn="ctr" indent="0" marL="0">
               <a:lnSpc>
                 <a:spcPts val="3281"/>
               </a:lnSpc>
               <a:buNone/>
             </a:pPr>
             <a:r>
-              <a:rPr lang="en-US" sz="2624" b="1" dirty="0">
+              <a:rPr lang="en-US" sz="2624" b="1" spc="-79" kern="0" dirty="0">
                 <a:solidFill>
-                  <a:srgbClr val="FF726D"/>
+                  <a:srgbClr val="E5E0DF"/>
                 </a:solidFill>
-                <a:latin typeface="Inconsolata" pitchFamily="34" charset="0"/>
-                <a:ea typeface="Inconsolata" pitchFamily="34" charset="-122"/>
-                <a:cs typeface="Inconsolata" pitchFamily="34" charset="-120"/>
+                <a:latin typeface="Inter" pitchFamily="34" charset="0"/>
+                <a:ea typeface="Inter" pitchFamily="34" charset="-122"/>
+                <a:cs typeface="Inter" pitchFamily="34" charset="-120"/>
               </a:rPr>
               <a:t>1</a:t>
             </a:r>
@@ -1605,14 +1632,14 @@
       </p:sp>
       <p:sp>
         <p:nvSpPr>
-          <p:cNvPr id="10" name="Text 7"/>
-          <p:cNvSpPr/>
-          <p:nvPr/>
-        </p:nvSpPr>
-        <p:spPr>
-          <a:xfrm>
-            <a:off x="6046113" y="3158133"/>
-            <a:ext cx="3489960" cy="347186"/>
+          <p:cNvPr id="8" name="Text 5"/>
+          <p:cNvSpPr/>
+          <p:nvPr/>
+        </p:nvSpPr>
+        <p:spPr>
+          <a:xfrm>
+            <a:off x="1555313" y="3584496"/>
+            <a:ext cx="3087172" cy="347186"/>
           </a:xfrm>
           <a:prstGeom prst="rect">
             <a:avLst/>
@@ -1624,22 +1651,22 @@
           <a:bodyPr wrap="none" rtlCol="0" anchor="t"/>
           <a:lstStyle/>
           <a:p>
-            <a:pPr marL="0" indent="0" algn="l">
+            <a:pPr indent="0" marL="0">
               <a:lnSpc>
                 <a:spcPts val="2734"/>
               </a:lnSpc>
               <a:buNone/>
             </a:pPr>
             <a:r>
-              <a:rPr lang="en-US" sz="2187" b="1" dirty="0">
+              <a:rPr lang="en-US" sz="2187" b="1" spc="-66" kern="0" dirty="0">
                 <a:solidFill>
-                  <a:srgbClr val="FF726D"/>
+                  <a:srgbClr val="E5E0DF"/>
                 </a:solidFill>
-                <a:latin typeface="Inconsolata" pitchFamily="34" charset="0"/>
-                <a:ea typeface="Inconsolata" pitchFamily="34" charset="-122"/>
-                <a:cs typeface="Inconsolata" pitchFamily="34" charset="-120"/>
+                <a:latin typeface="Inter" pitchFamily="34" charset="0"/>
+                <a:ea typeface="Inter" pitchFamily="34" charset="-122"/>
+                <a:cs typeface="Inter" pitchFamily="34" charset="-120"/>
               </a:rPr>
-              <a:t>Управление бюджетом</a:t>
+              <a:t>Организация финансов</a:t>
             </a:r>
             <a:endParaRPr lang="en-US" sz="2187" dirty="0"/>
           </a:p>
@@ -1647,14 +1674,14 @@
       </p:sp>
       <p:sp>
         <p:nvSpPr>
-          <p:cNvPr id="11" name="Text 8"/>
-          <p:cNvSpPr/>
-          <p:nvPr/>
-        </p:nvSpPr>
-        <p:spPr>
-          <a:xfrm>
-            <a:off x="6046113" y="3727490"/>
-            <a:ext cx="7751088" cy="710803"/>
+          <p:cNvPr id="9" name="Text 6"/>
+          <p:cNvSpPr/>
+          <p:nvPr/>
+        </p:nvSpPr>
+        <p:spPr>
+          <a:xfrm>
+            <a:off x="1555313" y="4153853"/>
+            <a:ext cx="8584287" cy="355402"/>
           </a:xfrm>
           <a:prstGeom prst="rect">
             <a:avLst/>
@@ -1663,25 +1690,25 @@
           <a:ln/>
         </p:spPr>
         <p:txBody>
-          <a:bodyPr wrap="square" rtlCol="0" anchor="t"/>
+          <a:bodyPr wrap="none" rtlCol="0" anchor="t"/>
           <a:lstStyle/>
           <a:p>
-            <a:pPr marL="0" indent="0" algn="l">
+            <a:pPr indent="0" marL="0">
               <a:lnSpc>
                 <a:spcPts val="2799"/>
               </a:lnSpc>
               <a:buNone/>
             </a:pPr>
             <a:r>
-              <a:rPr lang="en-US" sz="1750" dirty="0">
+              <a:rPr lang="en-US" sz="1750" spc="-35" kern="0" dirty="0">
                 <a:solidFill>
-                  <a:srgbClr val="DAD1E6"/>
+                  <a:srgbClr val="E5E0DF"/>
                 </a:solidFill>
-                <a:latin typeface="Fira Sans" pitchFamily="34" charset="0"/>
-                <a:ea typeface="Fira Sans" pitchFamily="34" charset="-122"/>
-                <a:cs typeface="Fira Sans" pitchFamily="34" charset="-120"/>
+                <a:latin typeface="Inter" pitchFamily="34" charset="0"/>
+                <a:ea typeface="Inter" pitchFamily="34" charset="-122"/>
+                <a:cs typeface="Inter" pitchFamily="34" charset="-120"/>
               </a:rPr>
-              <a:t>С помощью финансового помощника вы можете создавать, отслеживать и анализировать свой бюджет, чтобы достичь финансовых целей.</a:t>
+              <a:t>Он помогает вам организовать свои финансы</a:t>
             </a:r>
             <a:endParaRPr lang="en-US" sz="1750" dirty="0"/>
           </a:p>
@@ -1689,56 +1716,41 @@
       </p:sp>
       <p:sp>
         <p:nvSpPr>
-          <p:cNvPr id="12" name="Shape 9"/>
-          <p:cNvSpPr/>
-          <p:nvPr/>
-        </p:nvSpPr>
-        <p:spPr>
-          <a:xfrm>
-            <a:off x="5074027" y="5345251"/>
-            <a:ext cx="777597" cy="27742"/>
-          </a:xfrm>
-          <a:prstGeom prst="rect">
-            <a:avLst/>
-          </a:prstGeom>
-          <a:solidFill>
-            <a:srgbClr val="FF6680"/>
-          </a:solidFill>
-          <a:ln/>
-        </p:spPr>
-      </p:sp>
-      <p:sp>
-        <p:nvSpPr>
-          <p:cNvPr id="13" name="Shape 10"/>
-          <p:cNvSpPr/>
-          <p:nvPr/>
-        </p:nvSpPr>
-        <p:spPr>
-          <a:xfrm>
-            <a:off x="4574084" y="5109210"/>
+          <p:cNvPr id="10" name="Shape 7"/>
+          <p:cNvSpPr/>
+          <p:nvPr/>
+        </p:nvSpPr>
+        <p:spPr>
+          <a:xfrm>
+            <a:off x="833199" y="4905018"/>
             <a:ext cx="499943" cy="499943"/>
           </a:xfrm>
           <a:prstGeom prst="roundRect">
             <a:avLst>
-              <a:gd name="adj" fmla="val 13333"/>
+              <a:gd name="adj" fmla="val 20000"/>
             </a:avLst>
           </a:prstGeom>
           <a:solidFill>
-            <a:srgbClr val="312140"/>
-          </a:solidFill>
-          <a:ln/>
-        </p:spPr>
-      </p:sp>
-      <p:sp>
-        <p:nvSpPr>
-          <p:cNvPr id="14" name="Text 11"/>
-          <p:cNvSpPr/>
-          <p:nvPr/>
-        </p:nvSpPr>
-        <p:spPr>
-          <a:xfrm>
-            <a:off x="4740176" y="5150882"/>
-            <a:ext cx="167640" cy="416481"/>
+            <a:srgbClr val="110080"/>
+          </a:solidFill>
+          <a:ln w="13811">
+            <a:solidFill>
+              <a:srgbClr val="140099"/>
+            </a:solidFill>
+            <a:prstDash val="solid"/>
+          </a:ln>
+        </p:spPr>
+      </p:sp>
+      <p:sp>
+        <p:nvSpPr>
+          <p:cNvPr id="11" name="Text 8"/>
+          <p:cNvSpPr/>
+          <p:nvPr/>
+        </p:nvSpPr>
+        <p:spPr>
+          <a:xfrm>
+            <a:off x="985242" y="4946690"/>
+            <a:ext cx="195858" cy="416481"/>
           </a:xfrm>
           <a:prstGeom prst="rect">
             <a:avLst/>
@@ -1750,20 +1762,20 @@
           <a:bodyPr wrap="none" rtlCol="0" anchor="t"/>
           <a:lstStyle/>
           <a:p>
-            <a:pPr marL="0" indent="0" algn="ctr">
+            <a:pPr algn="ctr" indent="0" marL="0">
               <a:lnSpc>
                 <a:spcPts val="3281"/>
               </a:lnSpc>
               <a:buNone/>
             </a:pPr>
             <a:r>
-              <a:rPr lang="en-US" sz="2624" b="1" dirty="0">
+              <a:rPr lang="en-US" sz="2624" b="1" spc="-79" kern="0" dirty="0">
                 <a:solidFill>
-                  <a:srgbClr val="FF726D"/>
+                  <a:srgbClr val="E5E0DF"/>
                 </a:solidFill>
-                <a:latin typeface="Inconsolata" pitchFamily="34" charset="0"/>
-                <a:ea typeface="Inconsolata" pitchFamily="34" charset="-122"/>
-                <a:cs typeface="Inconsolata" pitchFamily="34" charset="-120"/>
+                <a:latin typeface="Inter" pitchFamily="34" charset="0"/>
+                <a:ea typeface="Inter" pitchFamily="34" charset="-122"/>
+                <a:cs typeface="Inter" pitchFamily="34" charset="-120"/>
               </a:rPr>
               <a:t>2</a:t>
             </a:r>
@@ -1773,14 +1785,14 @@
       </p:sp>
       <p:sp>
         <p:nvSpPr>
-          <p:cNvPr id="15" name="Text 12"/>
-          <p:cNvSpPr/>
-          <p:nvPr/>
-        </p:nvSpPr>
-        <p:spPr>
-          <a:xfrm>
-            <a:off x="6046113" y="5157788"/>
-            <a:ext cx="2560320" cy="347186"/>
+          <p:cNvPr id="12" name="Text 9"/>
+          <p:cNvSpPr/>
+          <p:nvPr/>
+        </p:nvSpPr>
+        <p:spPr>
+          <a:xfrm>
+            <a:off x="1555313" y="4981337"/>
+            <a:ext cx="3094792" cy="347186"/>
           </a:xfrm>
           <a:prstGeom prst="rect">
             <a:avLst/>
@@ -1792,22 +1804,22 @@
           <a:bodyPr wrap="none" rtlCol="0" anchor="t"/>
           <a:lstStyle/>
           <a:p>
-            <a:pPr marL="0" indent="0" algn="l">
+            <a:pPr indent="0" marL="0">
               <a:lnSpc>
                 <a:spcPts val="2734"/>
               </a:lnSpc>
               <a:buNone/>
             </a:pPr>
             <a:r>
-              <a:rPr lang="en-US" sz="2187" b="1" dirty="0">
+              <a:rPr lang="en-US" sz="2187" b="1" spc="-66" kern="0" dirty="0">
                 <a:solidFill>
-                  <a:srgbClr val="FF726D"/>
+                  <a:srgbClr val="E5E0DF"/>
                 </a:solidFill>
-                <a:latin typeface="Inconsolata" pitchFamily="34" charset="0"/>
-                <a:ea typeface="Inconsolata" pitchFamily="34" charset="-122"/>
-                <a:cs typeface="Inconsolata" pitchFamily="34" charset="-120"/>
+                <a:latin typeface="Inter" pitchFamily="34" charset="0"/>
+                <a:ea typeface="Inter" pitchFamily="34" charset="-122"/>
+                <a:cs typeface="Inter" pitchFamily="34" charset="-120"/>
               </a:rPr>
-              <a:t>Анализ расходов</a:t>
+              <a:t>Целевое планирование</a:t>
             </a:r>
             <a:endParaRPr lang="en-US" sz="2187" dirty="0"/>
           </a:p>
@@ -1815,14 +1827,14 @@
       </p:sp>
       <p:sp>
         <p:nvSpPr>
-          <p:cNvPr id="16" name="Text 13"/>
-          <p:cNvSpPr/>
-          <p:nvPr/>
-        </p:nvSpPr>
-        <p:spPr>
-          <a:xfrm>
-            <a:off x="6046113" y="5727144"/>
-            <a:ext cx="7751088" cy="1066205"/>
+          <p:cNvPr id="13" name="Text 10"/>
+          <p:cNvSpPr/>
+          <p:nvPr/>
+        </p:nvSpPr>
+        <p:spPr>
+          <a:xfrm>
+            <a:off x="1555313" y="5550694"/>
+            <a:ext cx="8584287" cy="1066205"/>
           </a:xfrm>
           <a:prstGeom prst="rect">
             <a:avLst/>
@@ -1834,27 +1846,53 @@
           <a:bodyPr wrap="square" rtlCol="0" anchor="t"/>
           <a:lstStyle/>
           <a:p>
-            <a:pPr marL="0" indent="0" algn="l">
+            <a:pPr indent="0" marL="0">
               <a:lnSpc>
                 <a:spcPts val="2799"/>
               </a:lnSpc>
               <a:buNone/>
             </a:pPr>
             <a:r>
-              <a:rPr lang="en-US" sz="1750" dirty="0">
+              <a:rPr lang="en-US" sz="1750" spc="-35" kern="0" dirty="0">
                 <a:solidFill>
-                  <a:srgbClr val="DAD1E6"/>
+                  <a:srgbClr val="E5E0DF"/>
                 </a:solidFill>
-                <a:latin typeface="Fira Sans" pitchFamily="34" charset="0"/>
-                <a:ea typeface="Fira Sans" pitchFamily="34" charset="-122"/>
-                <a:cs typeface="Fira Sans" pitchFamily="34" charset="-120"/>
+                <a:latin typeface="Inter" pitchFamily="34" charset="0"/>
+                <a:ea typeface="Inter" pitchFamily="34" charset="-122"/>
+                <a:cs typeface="Inter" pitchFamily="34" charset="-120"/>
               </a:rPr>
-              <a:t>Финансовый помощник позволяет анализировать ваши расходы, чтобы вы могли определить слабые места в бюджете и сократить ненужные расходы.</a:t>
+              <a:t>Финансовый помощник помогает определить свои финансовые цели и разработать планы для их достижения, помогая вам ориентироваться в направлении своих финансовых желаний.</a:t>
             </a:r>
             <a:endParaRPr lang="en-US" sz="1750" dirty="0"/>
           </a:p>
         </p:txBody>
       </p:sp>
+      <p:pic>
+        <p:nvPicPr>
+          <p:cNvPr id="14" name="Image 1" descr="preencoded.png">
+            <a:hlinkClick r:id="rId3" tooltip=""/>
+          </p:cNvPr>
+          <p:cNvPicPr>
+            <a:picLocks noChangeAspect="1"/>
+          </p:cNvPicPr>
+          <p:nvPr/>
+        </p:nvPicPr>
+        <p:blipFill>
+          <a:blip r:embed="rId2"/>
+          <a:stretch>
+            <a:fillRect/>
+          </a:stretch>
+        </p:blipFill>
+        <p:spPr>
+          <a:xfrm>
+            <a:off x="12242153" y="7589520"/>
+            <a:ext cx="2296807" cy="548640"/>
+          </a:xfrm>
+          <a:prstGeom prst="rect">
+            <a:avLst/>
+          </a:prstGeom>
+        </p:spPr>
+      </p:pic>
     </p:spTree>
   </p:cSld>
   <p:clrMapOvr>
@@ -1895,7 +1933,7 @@
             <a:avLst/>
           </a:prstGeom>
           <a:solidFill>
-            <a:srgbClr val="110C17"/>
+            <a:srgbClr val="0C0C0C"/>
           </a:solidFill>
           <a:ln/>
         </p:spPr>
@@ -1909,15 +1947,20 @@
         <p:spPr>
           <a:xfrm>
             <a:off x="0" y="0"/>
-            <a:ext cx="14630400" cy="8230910"/>
-          </a:xfrm>
-          <a:prstGeom prst="rect">
-            <a:avLst/>
-          </a:prstGeom>
-          <a:solidFill>
-            <a:srgbClr val="241631"/>
-          </a:solidFill>
-          <a:ln/>
+            <a:ext cx="14630400" cy="8229600"/>
+          </a:xfrm>
+          <a:prstGeom prst="rect">
+            <a:avLst/>
+          </a:prstGeom>
+          <a:solidFill>
+            <a:srgbClr val="272525"/>
+          </a:solidFill>
+          <a:ln w="13811">
+            <a:solidFill>
+              <a:srgbClr val="565151"/>
+            </a:solidFill>
+            <a:prstDash val="solid"/>
+          </a:ln>
         </p:spPr>
       </p:sp>
       <p:sp>
@@ -1928,8 +1971,8 @@
         </p:nvSpPr>
         <p:spPr>
           <a:xfrm>
-            <a:off x="2577584" y="548521"/>
-            <a:ext cx="9475232" cy="1870234"/>
+            <a:off x="2037993" y="2012633"/>
+            <a:ext cx="10554414" cy="1388745"/>
           </a:xfrm>
           <a:prstGeom prst="rect">
             <a:avLst/>
@@ -1941,243 +1984,221 @@
           <a:bodyPr wrap="square" rtlCol="0" anchor="t"/>
           <a:lstStyle/>
           <a:p>
-            <a:pPr marL="0" indent="0">
+            <a:pPr indent="0" marL="0">
               <a:lnSpc>
-                <a:spcPts val="4908"/>
+                <a:spcPts val="5468"/>
               </a:lnSpc>
               <a:buNone/>
             </a:pPr>
             <a:r>
-              <a:rPr lang="en-US" sz="3927" b="1" dirty="0">
+              <a:rPr lang="en-US" sz="4374" b="1" spc="-131" kern="0" dirty="0">
                 <a:solidFill>
-                  <a:srgbClr val="FF726D"/>
+                  <a:srgbClr val="FFFFFF"/>
                 </a:solidFill>
-                <a:latin typeface="Inconsolata" pitchFamily="34" charset="0"/>
-                <a:ea typeface="Inconsolata" pitchFamily="34" charset="-122"/>
-                <a:cs typeface="Inconsolata" pitchFamily="34" charset="-120"/>
+                <a:latin typeface="Inter" pitchFamily="34" charset="0"/>
+                <a:ea typeface="Inter" pitchFamily="34" charset="-122"/>
+                <a:cs typeface="Inter" pitchFamily="34" charset="-120"/>
               </a:rPr>
-              <a:t>Примеры практического применения финансового помощника</a:t>
+              <a:t>Основные функции финансового помощника</a:t>
             </a:r>
-            <a:endParaRPr lang="en-US" sz="3927" dirty="0"/>
+            <a:endParaRPr lang="en-US" sz="4374" dirty="0"/>
+          </a:p>
+        </p:txBody>
+      </p:sp>
+      <p:sp>
+        <p:nvSpPr>
+          <p:cNvPr id="5" name="Text 3"/>
+          <p:cNvSpPr/>
+          <p:nvPr/>
+        </p:nvSpPr>
+        <p:spPr>
+          <a:xfrm>
+            <a:off x="2037993" y="3956804"/>
+            <a:ext cx="4052530" cy="416481"/>
+          </a:xfrm>
+          <a:prstGeom prst="rect">
+            <a:avLst/>
+          </a:prstGeom>
+          <a:noFill/>
+          <a:ln/>
+        </p:spPr>
+        <p:txBody>
+          <a:bodyPr wrap="none" rtlCol="0" anchor="t"/>
+          <a:lstStyle/>
+          <a:p>
+            <a:pPr indent="0" marL="0">
+              <a:lnSpc>
+                <a:spcPts val="3281"/>
+              </a:lnSpc>
+              <a:buNone/>
+            </a:pPr>
+            <a:r>
+              <a:rPr lang="en-US" sz="2624" b="1" spc="-79" kern="0" dirty="0">
+                <a:solidFill>
+                  <a:srgbClr val="FFFFFF"/>
+                </a:solidFill>
+                <a:latin typeface="Inter" pitchFamily="34" charset="0"/>
+                <a:ea typeface="Inter" pitchFamily="34" charset="-122"/>
+                <a:cs typeface="Inter" pitchFamily="34" charset="-120"/>
+              </a:rPr>
+              <a:t>Учет расходов и доходов</a:t>
+            </a:r>
+            <a:endParaRPr lang="en-US" sz="2624" dirty="0"/>
+          </a:p>
+        </p:txBody>
+      </p:sp>
+      <p:sp>
+        <p:nvSpPr>
+          <p:cNvPr id="6" name="Text 4"/>
+          <p:cNvSpPr/>
+          <p:nvPr/>
+        </p:nvSpPr>
+        <p:spPr>
+          <a:xfrm>
+            <a:off x="2037993" y="4595455"/>
+            <a:ext cx="5007293" cy="1066205"/>
+          </a:xfrm>
+          <a:prstGeom prst="rect">
+            <a:avLst/>
+          </a:prstGeom>
+          <a:noFill/>
+          <a:ln/>
+        </p:spPr>
+        <p:txBody>
+          <a:bodyPr wrap="square" rtlCol="0" anchor="t"/>
+          <a:lstStyle/>
+          <a:p>
+            <a:pPr indent="0" marL="0">
+              <a:lnSpc>
+                <a:spcPts val="2799"/>
+              </a:lnSpc>
+              <a:buNone/>
+            </a:pPr>
+            <a:r>
+              <a:rPr lang="en-US" sz="1750" spc="-35" kern="0" dirty="0">
+                <a:solidFill>
+                  <a:srgbClr val="E5E0DF"/>
+                </a:solidFill>
+                <a:latin typeface="Inter" pitchFamily="34" charset="0"/>
+                <a:ea typeface="Inter" pitchFamily="34" charset="-122"/>
+                <a:cs typeface="Inter" pitchFamily="34" charset="-120"/>
+              </a:rPr>
+              <a:t>Позволяет отслеживать все ваши расходы и доходы, предоставляя вам полную финансовую картину и анализ вашего бюджета.</a:t>
+            </a:r>
+            <a:endParaRPr lang="en-US" sz="1750" dirty="0"/>
+          </a:p>
+        </p:txBody>
+      </p:sp>
+      <p:sp>
+        <p:nvSpPr>
+          <p:cNvPr id="7" name="Text 5"/>
+          <p:cNvSpPr/>
+          <p:nvPr/>
+        </p:nvSpPr>
+        <p:spPr>
+          <a:xfrm>
+            <a:off x="7594878" y="3956804"/>
+            <a:ext cx="3937754" cy="416481"/>
+          </a:xfrm>
+          <a:prstGeom prst="rect">
+            <a:avLst/>
+          </a:prstGeom>
+          <a:noFill/>
+          <a:ln/>
+        </p:spPr>
+        <p:txBody>
+          <a:bodyPr wrap="none" rtlCol="0" anchor="t"/>
+          <a:lstStyle/>
+          <a:p>
+            <a:pPr indent="0" marL="0">
+              <a:lnSpc>
+                <a:spcPts val="3281"/>
+              </a:lnSpc>
+              <a:buNone/>
+            </a:pPr>
+            <a:r>
+              <a:rPr lang="en-US" sz="2624" b="1" spc="-79" kern="0" dirty="0">
+                <a:solidFill>
+                  <a:srgbClr val="FFFFFF"/>
+                </a:solidFill>
+                <a:latin typeface="Inter" pitchFamily="34" charset="0"/>
+                <a:ea typeface="Inter" pitchFamily="34" charset="-122"/>
+                <a:cs typeface="Inter" pitchFamily="34" charset="-120"/>
+              </a:rPr>
+              <a:t>Планирование бюджета</a:t>
+            </a:r>
+            <a:endParaRPr lang="en-US" sz="2624" dirty="0"/>
+          </a:p>
+        </p:txBody>
+      </p:sp>
+      <p:sp>
+        <p:nvSpPr>
+          <p:cNvPr id="8" name="Text 6"/>
+          <p:cNvSpPr/>
+          <p:nvPr/>
+        </p:nvSpPr>
+        <p:spPr>
+          <a:xfrm>
+            <a:off x="7594878" y="4595455"/>
+            <a:ext cx="5005030" cy="1421606"/>
+          </a:xfrm>
+          <a:prstGeom prst="rect">
+            <a:avLst/>
+          </a:prstGeom>
+          <a:noFill/>
+          <a:ln/>
+        </p:spPr>
+        <p:txBody>
+          <a:bodyPr wrap="square" rtlCol="0" anchor="t"/>
+          <a:lstStyle/>
+          <a:p>
+            <a:pPr indent="0" marL="0">
+              <a:lnSpc>
+                <a:spcPts val="2799"/>
+              </a:lnSpc>
+              <a:buNone/>
+            </a:pPr>
+            <a:r>
+              <a:rPr lang="en-US" sz="1750" spc="-35" kern="0" dirty="0">
+                <a:solidFill>
+                  <a:srgbClr val="E5E0DF"/>
+                </a:solidFill>
+                <a:latin typeface="Inter" pitchFamily="34" charset="0"/>
+                <a:ea typeface="Inter" pitchFamily="34" charset="-122"/>
+                <a:cs typeface="Inter" pitchFamily="34" charset="-120"/>
+              </a:rPr>
+              <a:t>Помогает вам создать и следить за бюджетом, определяя доли расходов на различные категории и помогая соблюдать ваши финансовые цели.</a:t>
+            </a:r>
+            <a:endParaRPr lang="en-US" sz="1750" dirty="0"/>
           </a:p>
         </p:txBody>
       </p:sp>
       <p:pic>
         <p:nvPicPr>
-          <p:cNvPr id="5" name="Image 0" descr="preencoded.png"/>
+          <p:cNvPr id="9" name="Image 0" descr="preencoded.png">
+            <a:hlinkClick r:id="rId2" tooltip=""/>
+          </p:cNvPr>
           <p:cNvPicPr>
             <a:picLocks noChangeAspect="1"/>
           </p:cNvPicPr>
           <p:nvPr/>
         </p:nvPicPr>
         <p:blipFill>
-          <a:blip r:embed="rId3"/>
+          <a:blip r:embed="rId1"/>
           <a:stretch>
             <a:fillRect/>
           </a:stretch>
         </p:blipFill>
         <p:spPr>
           <a:xfrm>
-            <a:off x="2577584" y="2817614"/>
-            <a:ext cx="4587954" cy="2835473"/>
+            <a:off x="12242153" y="7589520"/>
+            <a:ext cx="2296807" cy="548640"/>
           </a:xfrm>
           <a:prstGeom prst="rect">
             <a:avLst/>
           </a:prstGeom>
         </p:spPr>
       </p:pic>
-      <p:sp>
-        <p:nvSpPr>
-          <p:cNvPr id="6" name="Text 3"/>
-          <p:cNvSpPr/>
-          <p:nvPr/>
-        </p:nvSpPr>
-        <p:spPr>
-          <a:xfrm>
-            <a:off x="2577584" y="5902404"/>
-            <a:ext cx="4038600" cy="311587"/>
-          </a:xfrm>
-          <a:prstGeom prst="rect">
-            <a:avLst/>
-          </a:prstGeom>
-          <a:noFill/>
-          <a:ln/>
-        </p:spPr>
-        <p:txBody>
-          <a:bodyPr wrap="none" rtlCol="0" anchor="t"/>
-          <a:lstStyle/>
-          <a:p>
-            <a:pPr marL="0" indent="0" algn="l">
-              <a:lnSpc>
-                <a:spcPts val="2454"/>
-              </a:lnSpc>
-              <a:buNone/>
-            </a:pPr>
-            <a:r>
-              <a:rPr lang="en-US" sz="1963" b="1" dirty="0">
-                <a:solidFill>
-                  <a:srgbClr val="FF726D"/>
-                </a:solidFill>
-                <a:latin typeface="Inconsolata" pitchFamily="34" charset="0"/>
-                <a:ea typeface="Inconsolata" pitchFamily="34" charset="-122"/>
-                <a:cs typeface="Inconsolata" pitchFamily="34" charset="-120"/>
-              </a:rPr>
-              <a:t>Для контроля над расходами</a:t>
-            </a:r>
-            <a:endParaRPr lang="en-US" sz="1963" dirty="0"/>
-          </a:p>
-        </p:txBody>
-      </p:sp>
-      <p:sp>
-        <p:nvSpPr>
-          <p:cNvPr id="7" name="Text 4"/>
-          <p:cNvSpPr/>
-          <p:nvPr/>
-        </p:nvSpPr>
-        <p:spPr>
-          <a:xfrm>
-            <a:off x="2577584" y="6413421"/>
-            <a:ext cx="4587954" cy="957263"/>
-          </a:xfrm>
-          <a:prstGeom prst="rect">
-            <a:avLst/>
-          </a:prstGeom>
-          <a:noFill/>
-          <a:ln/>
-        </p:spPr>
-        <p:txBody>
-          <a:bodyPr wrap="square" rtlCol="0" anchor="t"/>
-          <a:lstStyle/>
-          <a:p>
-            <a:pPr marL="0" indent="0" algn="l">
-              <a:lnSpc>
-                <a:spcPts val="2513"/>
-              </a:lnSpc>
-              <a:buNone/>
-            </a:pPr>
-            <a:r>
-              <a:rPr lang="en-US" sz="1571" dirty="0">
-                <a:solidFill>
-                  <a:srgbClr val="DAD1E6"/>
-                </a:solidFill>
-                <a:latin typeface="Fira Sans" pitchFamily="34" charset="0"/>
-                <a:ea typeface="Fira Sans" pitchFamily="34" charset="-122"/>
-                <a:cs typeface="Fira Sans" pitchFamily="34" charset="-120"/>
-              </a:rPr>
-              <a:t>С помощью финансового помощника вы можете легко контролировать свои ежедневные расходы и уменьшить свои траты.</a:t>
-            </a:r>
-            <a:endParaRPr lang="en-US" sz="1571" dirty="0"/>
-          </a:p>
-        </p:txBody>
-      </p:sp>
-      <p:pic>
-        <p:nvPicPr>
-          <p:cNvPr id="8" name="Image 1" descr="preencoded.png"/>
-          <p:cNvPicPr>
-            <a:picLocks noChangeAspect="1"/>
-          </p:cNvPicPr>
-          <p:nvPr/>
-        </p:nvPicPr>
-        <p:blipFill>
-          <a:blip r:embed="rId4"/>
-          <a:stretch>
-            <a:fillRect/>
-          </a:stretch>
-        </p:blipFill>
-        <p:spPr>
-          <a:xfrm>
-            <a:off x="7464743" y="2817614"/>
-            <a:ext cx="4588073" cy="2835593"/>
-          </a:xfrm>
-          <a:prstGeom prst="rect">
-            <a:avLst/>
-          </a:prstGeom>
-        </p:spPr>
-      </p:pic>
-      <p:sp>
-        <p:nvSpPr>
-          <p:cNvPr id="9" name="Text 5"/>
-          <p:cNvSpPr/>
-          <p:nvPr/>
-        </p:nvSpPr>
-        <p:spPr>
-          <a:xfrm>
-            <a:off x="7464743" y="5902523"/>
-            <a:ext cx="4588073" cy="623173"/>
-          </a:xfrm>
-          <a:prstGeom prst="rect">
-            <a:avLst/>
-          </a:prstGeom>
-          <a:noFill/>
-          <a:ln/>
-        </p:spPr>
-        <p:txBody>
-          <a:bodyPr wrap="square" rtlCol="0" anchor="t"/>
-          <a:lstStyle/>
-          <a:p>
-            <a:pPr marL="0" indent="0" algn="l">
-              <a:lnSpc>
-                <a:spcPts val="2454"/>
-              </a:lnSpc>
-              <a:buNone/>
-            </a:pPr>
-            <a:r>
-              <a:rPr lang="en-US" sz="1963" b="1" dirty="0">
-                <a:solidFill>
-                  <a:srgbClr val="FF726D"/>
-                </a:solidFill>
-                <a:latin typeface="Inconsolata" pitchFamily="34" charset="0"/>
-                <a:ea typeface="Inconsolata" pitchFamily="34" charset="-122"/>
-                <a:cs typeface="Inconsolata" pitchFamily="34" charset="-120"/>
-              </a:rPr>
-              <a:t>Для достижения финансовых целей</a:t>
-            </a:r>
-            <a:endParaRPr lang="en-US" sz="1963" dirty="0"/>
-          </a:p>
-        </p:txBody>
-      </p:sp>
-      <p:sp>
-        <p:nvSpPr>
-          <p:cNvPr id="10" name="Text 6"/>
-          <p:cNvSpPr/>
-          <p:nvPr/>
-        </p:nvSpPr>
-        <p:spPr>
-          <a:xfrm>
-            <a:off x="7464743" y="6725126"/>
-            <a:ext cx="4588073" cy="957263"/>
-          </a:xfrm>
-          <a:prstGeom prst="rect">
-            <a:avLst/>
-          </a:prstGeom>
-          <a:noFill/>
-          <a:ln/>
-        </p:spPr>
-        <p:txBody>
-          <a:bodyPr wrap="square" rtlCol="0" anchor="t"/>
-          <a:lstStyle/>
-          <a:p>
-            <a:pPr marL="0" indent="0" algn="l">
-              <a:lnSpc>
-                <a:spcPts val="2513"/>
-              </a:lnSpc>
-              <a:buNone/>
-            </a:pPr>
-            <a:r>
-              <a:rPr lang="en-US" sz="1571" dirty="0">
-                <a:solidFill>
-                  <a:srgbClr val="DAD1E6"/>
-                </a:solidFill>
-                <a:latin typeface="Fira Sans" pitchFamily="34" charset="0"/>
-                <a:ea typeface="Fira Sans" pitchFamily="34" charset="-122"/>
-                <a:cs typeface="Fira Sans" pitchFamily="34" charset="-120"/>
-              </a:rPr>
-              <a:t>С помощью финансового помощника вы можете спланировать свои финансовые цели, создать план действий и достичь успеха.</a:t>
-            </a:r>
-            <a:endParaRPr lang="en-US" sz="1571" dirty="0"/>
-          </a:p>
-        </p:txBody>
-      </p:sp>
     </p:spTree>
   </p:cSld>
   <p:clrMapOvr>
@@ -2218,7 +2239,7 @@
             <a:avLst/>
           </a:prstGeom>
           <a:solidFill>
-            <a:srgbClr val="110C17"/>
+            <a:srgbClr val="0C0C0C"/>
           </a:solidFill>
           <a:ln/>
         </p:spPr>
@@ -2238,21 +2259,50 @@
             <a:avLst/>
           </a:prstGeom>
           <a:solidFill>
-            <a:srgbClr val="241631"/>
-          </a:solidFill>
-          <a:ln/>
-        </p:spPr>
-      </p:sp>
-      <p:sp>
-        <p:nvSpPr>
-          <p:cNvPr id="4" name="Text 2"/>
-          <p:cNvSpPr/>
-          <p:nvPr/>
-        </p:nvSpPr>
-        <p:spPr>
-          <a:xfrm>
-            <a:off x="2037993" y="1840349"/>
-            <a:ext cx="10554414" cy="2083118"/>
+            <a:srgbClr val="272525"/>
+          </a:solidFill>
+          <a:ln w="13811">
+            <a:solidFill>
+              <a:srgbClr val="565151"/>
+            </a:solidFill>
+            <a:prstDash val="solid"/>
+          </a:ln>
+        </p:spPr>
+      </p:sp>
+      <p:pic>
+        <p:nvPicPr>
+          <p:cNvPr id="4" name="Image 0" descr="preencoded.png">    </p:cNvPr>
+          <p:cNvPicPr>
+            <a:picLocks noChangeAspect="1"/>
+          </p:cNvPicPr>
+          <p:nvPr/>
+        </p:nvPicPr>
+        <p:blipFill>
+          <a:blip r:embed="rId1"/>
+          <a:stretch>
+            <a:fillRect/>
+          </a:stretch>
+        </p:blipFill>
+        <p:spPr>
+          <a:xfrm>
+            <a:off x="9144000" y="0"/>
+            <a:ext cx="5486400" cy="8229600"/>
+          </a:xfrm>
+          <a:prstGeom prst="rect">
+            <a:avLst/>
+          </a:prstGeom>
+        </p:spPr>
+      </p:pic>
+      <p:sp>
+        <p:nvSpPr>
+          <p:cNvPr id="5" name="Text 2"/>
+          <p:cNvSpPr/>
+          <p:nvPr/>
+        </p:nvSpPr>
+        <p:spPr>
+          <a:xfrm>
+            <a:off x="833199" y="2712482"/>
+            <a:ext cx="4443889" cy="694373"/>
           </a:xfrm>
           <a:prstGeom prst="rect">
             <a:avLst/>
@@ -2261,25 +2311,25 @@
           <a:ln/>
         </p:spPr>
         <p:txBody>
-          <a:bodyPr wrap="square" rtlCol="0" anchor="t"/>
+          <a:bodyPr wrap="none" rtlCol="0" anchor="t"/>
           <a:lstStyle/>
           <a:p>
-            <a:pPr marL="0" indent="0">
+            <a:pPr indent="0" marL="0">
               <a:lnSpc>
                 <a:spcPts val="5468"/>
               </a:lnSpc>
               <a:buNone/>
             </a:pPr>
             <a:r>
-              <a:rPr lang="en-US" sz="4374" b="1" dirty="0">
+              <a:rPr lang="en-US" sz="4374" b="1" spc="-131" kern="0" dirty="0">
                 <a:solidFill>
-                  <a:srgbClr val="FF726D"/>
+                  <a:srgbClr val="FFFFFF"/>
                 </a:solidFill>
-                <a:latin typeface="Inconsolata" pitchFamily="34" charset="0"/>
-                <a:ea typeface="Inconsolata" pitchFamily="34" charset="-122"/>
-                <a:cs typeface="Inconsolata" pitchFamily="34" charset="-120"/>
+                <a:latin typeface="Inter" pitchFamily="34" charset="0"/>
+                <a:ea typeface="Inter" pitchFamily="34" charset="-122"/>
+                <a:cs typeface="Inter" pitchFamily="34" charset="-120"/>
               </a:rPr>
-              <a:t>Основные компоненты программы финансового помощника</a:t>
+              <a:t>Заключение</a:t>
             </a:r>
             <a:endParaRPr lang="en-US" sz="4374" dirty="0"/>
           </a:p>
@@ -2287,14 +2337,14 @@
       </p:sp>
       <p:sp>
         <p:nvSpPr>
-          <p:cNvPr id="5" name="Text 3"/>
-          <p:cNvSpPr/>
-          <p:nvPr/>
-        </p:nvSpPr>
-        <p:spPr>
-          <a:xfrm>
-            <a:off x="2037993" y="4478893"/>
-            <a:ext cx="2666286" cy="416481"/>
+          <p:cNvPr id="6" name="Text 3"/>
+          <p:cNvSpPr/>
+          <p:nvPr/>
+        </p:nvSpPr>
+        <p:spPr>
+          <a:xfrm>
+            <a:off x="833199" y="3740110"/>
+            <a:ext cx="7477601" cy="1777008"/>
           </a:xfrm>
           <a:prstGeom prst="rect">
             <a:avLst/>
@@ -2303,374 +2353,56 @@
           <a:ln/>
         </p:spPr>
         <p:txBody>
-          <a:bodyPr wrap="none" rtlCol="0" anchor="t"/>
-          <a:lstStyle/>
-          <a:p>
-            <a:pPr marL="0" indent="0">
-              <a:lnSpc>
-                <a:spcPts val="3281"/>
-              </a:lnSpc>
-              <a:buNone/>
-            </a:pPr>
-            <a:r>
-              <a:rPr lang="en-US" sz="2624" b="1" dirty="0">
-                <a:solidFill>
-                  <a:srgbClr val="FF726D"/>
-                </a:solidFill>
-                <a:latin typeface="Inconsolata" pitchFamily="34" charset="0"/>
-                <a:ea typeface="Inconsolata" pitchFamily="34" charset="-122"/>
-                <a:cs typeface="Inconsolata" pitchFamily="34" charset="-120"/>
-              </a:rPr>
-              <a:t>Счета</a:t>
-            </a:r>
-            <a:endParaRPr lang="en-US" sz="2624" dirty="0"/>
-          </a:p>
-        </p:txBody>
-      </p:sp>
-      <p:sp>
-        <p:nvSpPr>
-          <p:cNvPr id="6" name="Text 4"/>
-          <p:cNvSpPr/>
-          <p:nvPr/>
-        </p:nvSpPr>
-        <p:spPr>
-          <a:xfrm>
-            <a:off x="2393394" y="5145286"/>
-            <a:ext cx="4650819" cy="355402"/>
-          </a:xfrm>
-          <a:prstGeom prst="rect">
-            <a:avLst/>
-          </a:prstGeom>
-          <a:noFill/>
-          <a:ln/>
-        </p:spPr>
-        <p:txBody>
-          <a:bodyPr wrap="none" rtlCol="0" anchor="t"/>
-          <a:lstStyle/>
-          <a:p>
-            <a:pPr marL="342900" indent="-342900" algn="l">
-              <a:lnSpc>
-                <a:spcPts val="2799"/>
-              </a:lnSpc>
-              <a:buSzPct val="100000"/>
-              <a:buChar char="•"/>
-            </a:pPr>
-            <a:r>
-              <a:rPr lang="en-US" sz="1750" dirty="0">
-                <a:solidFill>
-                  <a:srgbClr val="DAD1E6"/>
-                </a:solidFill>
-                <a:latin typeface="Fira Sans" pitchFamily="34" charset="0"/>
-                <a:ea typeface="Fira Sans" pitchFamily="34" charset="-122"/>
-                <a:cs typeface="Fira Sans" pitchFamily="34" charset="-120"/>
-              </a:rPr>
-              <a:t>Создание и управление счетом.</a:t>
-            </a:r>
-            <a:endParaRPr lang="en-US" sz="1750" dirty="0"/>
-          </a:p>
-        </p:txBody>
-      </p:sp>
-      <p:sp>
-        <p:nvSpPr>
-          <p:cNvPr id="7" name="Text 5"/>
-          <p:cNvSpPr/>
-          <p:nvPr/>
-        </p:nvSpPr>
-        <p:spPr>
-          <a:xfrm>
-            <a:off x="2393394" y="5589508"/>
-            <a:ext cx="4650819" cy="355402"/>
-          </a:xfrm>
-          <a:prstGeom prst="rect">
-            <a:avLst/>
-          </a:prstGeom>
-          <a:noFill/>
-          <a:ln/>
-        </p:spPr>
-        <p:txBody>
-          <a:bodyPr wrap="none" rtlCol="0" anchor="t"/>
-          <a:lstStyle/>
-          <a:p>
-            <a:pPr marL="342900" indent="-342900" algn="l">
-              <a:lnSpc>
-                <a:spcPts val="2799"/>
-              </a:lnSpc>
-              <a:buSzPct val="100000"/>
-              <a:buChar char="•"/>
-            </a:pPr>
-            <a:r>
-              <a:rPr lang="en-US" sz="1750" dirty="0">
-                <a:solidFill>
-                  <a:srgbClr val="DAD1E6"/>
-                </a:solidFill>
-                <a:latin typeface="Fira Sans" pitchFamily="34" charset="0"/>
-                <a:ea typeface="Fira Sans" pitchFamily="34" charset="-122"/>
-                <a:cs typeface="Fira Sans" pitchFamily="34" charset="-120"/>
-              </a:rPr>
-              <a:t>Отслеживание баланса и транзакций.</a:t>
-            </a:r>
-            <a:endParaRPr lang="en-US" sz="1750" dirty="0"/>
-          </a:p>
-        </p:txBody>
-      </p:sp>
-      <p:sp>
-        <p:nvSpPr>
-          <p:cNvPr id="8" name="Text 6"/>
-          <p:cNvSpPr/>
-          <p:nvPr/>
-        </p:nvSpPr>
-        <p:spPr>
-          <a:xfrm>
-            <a:off x="7593806" y="4478893"/>
-            <a:ext cx="2666286" cy="416481"/>
-          </a:xfrm>
-          <a:prstGeom prst="rect">
-            <a:avLst/>
-          </a:prstGeom>
-          <a:noFill/>
-          <a:ln/>
-        </p:spPr>
-        <p:txBody>
-          <a:bodyPr wrap="none" rtlCol="0" anchor="t"/>
-          <a:lstStyle/>
-          <a:p>
-            <a:pPr marL="0" indent="0">
-              <a:lnSpc>
-                <a:spcPts val="3281"/>
-              </a:lnSpc>
-              <a:buNone/>
-            </a:pPr>
-            <a:r>
-              <a:rPr lang="en-US" sz="2624" b="1" dirty="0">
-                <a:solidFill>
-                  <a:srgbClr val="FF726D"/>
-                </a:solidFill>
-                <a:latin typeface="Inconsolata" pitchFamily="34" charset="0"/>
-                <a:ea typeface="Inconsolata" pitchFamily="34" charset="-122"/>
-                <a:cs typeface="Inconsolata" pitchFamily="34" charset="-120"/>
-              </a:rPr>
-              <a:t>Бюджет</a:t>
-            </a:r>
-            <a:endParaRPr lang="en-US" sz="2624" dirty="0"/>
-          </a:p>
-        </p:txBody>
-      </p:sp>
-      <p:sp>
-        <p:nvSpPr>
-          <p:cNvPr id="9" name="Text 7"/>
-          <p:cNvSpPr/>
-          <p:nvPr/>
-        </p:nvSpPr>
-        <p:spPr>
-          <a:xfrm>
-            <a:off x="7949208" y="5145286"/>
-            <a:ext cx="4650819" cy="355402"/>
-          </a:xfrm>
-          <a:prstGeom prst="rect">
-            <a:avLst/>
-          </a:prstGeom>
-          <a:noFill/>
-          <a:ln/>
-        </p:spPr>
-        <p:txBody>
-          <a:bodyPr wrap="none" rtlCol="0" anchor="t"/>
-          <a:lstStyle/>
-          <a:p>
-            <a:pPr marL="342900" indent="-342900" algn="l">
-              <a:lnSpc>
-                <a:spcPts val="2799"/>
-              </a:lnSpc>
-              <a:buSzPct val="100000"/>
-              <a:buChar char="•"/>
-            </a:pPr>
-            <a:r>
-              <a:rPr lang="en-US" sz="1750" dirty="0">
-                <a:solidFill>
-                  <a:srgbClr val="DAD1E6"/>
-                </a:solidFill>
-                <a:latin typeface="Fira Sans" pitchFamily="34" charset="0"/>
-                <a:ea typeface="Fira Sans" pitchFamily="34" charset="-122"/>
-                <a:cs typeface="Fira Sans" pitchFamily="34" charset="-120"/>
-              </a:rPr>
-              <a:t>Создание и управление  бюджетом</a:t>
-            </a:r>
-            <a:endParaRPr lang="en-US" sz="1750" dirty="0"/>
-          </a:p>
-        </p:txBody>
-      </p:sp>
-    </p:spTree>
-  </p:cSld>
-  <p:clrMapOvr>
-    <a:masterClrMapping/>
-  </p:clrMapOvr>
-</p:sld>
-</file>
-
-<file path=ppt/slides/slide5.xml><?xml version="1.0" encoding="utf-8"?>
-<p:sld xmlns:a="http://schemas.openxmlformats.org/drawingml/2006/main" xmlns:r="http://schemas.openxmlformats.org/officeDocument/2006/relationships" xmlns:p="http://schemas.openxmlformats.org/presentationml/2006/main">
-  <p:cSld name="Slide 5">
-    <p:spTree>
-      <p:nvGrpSpPr>
-        <p:cNvPr id="1" name=""/>
-        <p:cNvGrpSpPr/>
-        <p:nvPr/>
-      </p:nvGrpSpPr>
-      <p:grpSpPr>
-        <a:xfrm>
-          <a:off x="0" y="0"/>
-          <a:ext cx="0" cy="0"/>
-          <a:chOff x="0" y="0"/>
-          <a:chExt cx="0" cy="0"/>
-        </a:xfrm>
-      </p:grpSpPr>
-      <p:sp>
-        <p:nvSpPr>
-          <p:cNvPr id="2" name="Shape 0"/>
-          <p:cNvSpPr/>
-          <p:nvPr/>
-        </p:nvSpPr>
-        <p:spPr>
-          <a:xfrm>
-            <a:off x="0" y="0"/>
-            <a:ext cx="14630400" cy="8229600"/>
-          </a:xfrm>
-          <a:prstGeom prst="rect">
-            <a:avLst/>
-          </a:prstGeom>
-          <a:solidFill>
-            <a:srgbClr val="110C17"/>
-          </a:solidFill>
-          <a:ln/>
-        </p:spPr>
-      </p:sp>
-      <p:sp>
-        <p:nvSpPr>
-          <p:cNvPr id="3" name="Shape 1"/>
-          <p:cNvSpPr/>
-          <p:nvPr/>
-        </p:nvSpPr>
-        <p:spPr>
-          <a:xfrm>
-            <a:off x="0" y="0"/>
-            <a:ext cx="14630400" cy="8229600"/>
-          </a:xfrm>
-          <a:prstGeom prst="rect">
-            <a:avLst/>
-          </a:prstGeom>
-          <a:solidFill>
-            <a:srgbClr val="241631"/>
-          </a:solidFill>
-          <a:ln/>
-        </p:spPr>
-      </p:sp>
-      <p:pic>
-        <p:nvPicPr>
-          <p:cNvPr id="4" name="Image 0" descr="preencoded.png"/>
-          <p:cNvPicPr>
-            <a:picLocks noChangeAspect="1"/>
-          </p:cNvPicPr>
-          <p:nvPr/>
-        </p:nvPicPr>
-        <p:blipFill>
-          <a:blip r:embed="rId3"/>
-          <a:stretch>
-            <a:fillRect/>
-          </a:stretch>
-        </p:blipFill>
-        <p:spPr>
-          <a:xfrm>
-            <a:off x="0" y="0"/>
-            <a:ext cx="5486400" cy="8229600"/>
-          </a:xfrm>
-          <a:prstGeom prst="rect">
-            <a:avLst/>
-          </a:prstGeom>
-        </p:spPr>
-      </p:pic>
-      <p:sp>
-        <p:nvSpPr>
-          <p:cNvPr id="5" name="Text 2"/>
-          <p:cNvSpPr/>
-          <p:nvPr/>
-        </p:nvSpPr>
-        <p:spPr>
-          <a:xfrm>
-            <a:off x="6319599" y="2890123"/>
-            <a:ext cx="5676900" cy="694373"/>
-          </a:xfrm>
-          <a:prstGeom prst="rect">
-            <a:avLst/>
-          </a:prstGeom>
-          <a:noFill/>
-          <a:ln/>
-        </p:spPr>
-        <p:txBody>
-          <a:bodyPr wrap="none" rtlCol="0" anchor="t"/>
-          <a:lstStyle/>
-          <a:p>
-            <a:pPr marL="0" indent="0">
-              <a:lnSpc>
-                <a:spcPts val="5468"/>
-              </a:lnSpc>
-              <a:buNone/>
-            </a:pPr>
-            <a:r>
-              <a:rPr lang="en-US" sz="4374" b="1" dirty="0">
-                <a:solidFill>
-                  <a:srgbClr val="FF726D"/>
-                </a:solidFill>
-                <a:latin typeface="Inconsolata" pitchFamily="34" charset="0"/>
-                <a:ea typeface="Inconsolata" pitchFamily="34" charset="-122"/>
-                <a:cs typeface="Inconsolata" pitchFamily="34" charset="-120"/>
-              </a:rPr>
-              <a:t>Конечный продукт</a:t>
-            </a:r>
-            <a:endParaRPr lang="en-US" sz="4374" dirty="0"/>
-          </a:p>
-        </p:txBody>
-      </p:sp>
-      <p:sp>
-        <p:nvSpPr>
-          <p:cNvPr id="6" name="Text 3"/>
-          <p:cNvSpPr/>
-          <p:nvPr/>
-        </p:nvSpPr>
-        <p:spPr>
-          <a:xfrm>
-            <a:off x="6319599" y="3917752"/>
-            <a:ext cx="7477601" cy="1421606"/>
-          </a:xfrm>
-          <a:prstGeom prst="rect">
-            <a:avLst/>
-          </a:prstGeom>
-          <a:noFill/>
-          <a:ln/>
-        </p:spPr>
-        <p:txBody>
           <a:bodyPr wrap="square" rtlCol="0" anchor="t"/>
           <a:lstStyle/>
           <a:p>
-            <a:pPr marL="0" indent="0">
+            <a:pPr indent="0" marL="0">
               <a:lnSpc>
                 <a:spcPts val="2799"/>
               </a:lnSpc>
               <a:buNone/>
             </a:pPr>
             <a:r>
-              <a:rPr lang="en-US" sz="1750" dirty="0">
+              <a:rPr lang="en-US" sz="1750" spc="-35" kern="0" dirty="0">
                 <a:solidFill>
-                  <a:srgbClr val="DAD1E6"/>
+                  <a:srgbClr val="E5E0DF"/>
                 </a:solidFill>
-                <a:latin typeface="Fira Sans" pitchFamily="34" charset="0"/>
-                <a:ea typeface="Fira Sans" pitchFamily="34" charset="-122"/>
-                <a:cs typeface="Fira Sans" pitchFamily="34" charset="-120"/>
+                <a:latin typeface="Inter" pitchFamily="34" charset="0"/>
+                <a:ea typeface="Inter" pitchFamily="34" charset="-122"/>
+                <a:cs typeface="Inter" pitchFamily="34" charset="-120"/>
               </a:rPr>
-              <a:t>Финансовый помощник позволяет легко управлять своими финансами и сделать более информированные финансовые решения. С его помощью вы можете контролировать свой бюджет и держать под контролем свои расходы.</a:t>
+              <a:t>Финансовый помощник - это мощный инструмент, который может значительно облегчить управление вашими финансами и помочь вам достичь ваших финансовых целей. Не позволяйте своим деньгам уходить впустую. Начните использовать финансового помощника уже сегодня!</a:t>
             </a:r>
             <a:endParaRPr lang="en-US" sz="1750" dirty="0"/>
           </a:p>
         </p:txBody>
       </p:sp>
+      <p:pic>
+        <p:nvPicPr>
+          <p:cNvPr id="7" name="Image 1" descr="preencoded.png">
+            <a:hlinkClick r:id="rId3" tooltip=""/>
+          </p:cNvPr>
+          <p:cNvPicPr>
+            <a:picLocks noChangeAspect="1"/>
+          </p:cNvPicPr>
+          <p:nvPr/>
+        </p:nvPicPr>
+        <p:blipFill>
+          <a:blip r:embed="rId2"/>
+          <a:stretch>
+            <a:fillRect/>
+          </a:stretch>
+        </p:blipFill>
+        <p:spPr>
+          <a:xfrm>
+            <a:off x="12242153" y="7589520"/>
+            <a:ext cx="2296807" cy="548640"/>
+          </a:xfrm>
+          <a:prstGeom prst="rect">
+            <a:avLst/>
+          </a:prstGeom>
+        </p:spPr>
+      </p:pic>
     </p:spTree>
   </p:cSld>
   <p:clrMapOvr>
@@ -2972,299 +2704,4 @@
     </a:ext>
   </a:extLst>
 </a:theme>
-</file>
-
-<file path=ppt/theme/theme2.xml><?xml version="1.0" encoding="utf-8"?>
-<a:theme xmlns:a="http://schemas.openxmlformats.org/drawingml/2006/main" name="Тема Office">
-  <a:themeElements>
-    <a:clrScheme name="Стандартная">
-      <a:dk1>
-        <a:sysClr val="windowText" lastClr="000000"/>
-      </a:dk1>
-      <a:lt1>
-        <a:sysClr val="window" lastClr="FFFFFF"/>
-      </a:lt1>
-      <a:dk2>
-        <a:srgbClr val="44546A"/>
-      </a:dk2>
-      <a:lt2>
-        <a:srgbClr val="E7E6E6"/>
-      </a:lt2>
-      <a:accent1>
-        <a:srgbClr val="4472C4"/>
-      </a:accent1>
-      <a:accent2>
-        <a:srgbClr val="ED7D31"/>
-      </a:accent2>
-      <a:accent3>
-        <a:srgbClr val="A5A5A5"/>
-      </a:accent3>
-      <a:accent4>
-        <a:srgbClr val="FFC000"/>
-      </a:accent4>
-      <a:accent5>
-        <a:srgbClr val="5B9BD5"/>
-      </a:accent5>
-      <a:accent6>
-        <a:srgbClr val="70AD47"/>
-      </a:accent6>
-      <a:hlink>
-        <a:srgbClr val="0563C1"/>
-      </a:hlink>
-      <a:folHlink>
-        <a:srgbClr val="954F72"/>
-      </a:folHlink>
-    </a:clrScheme>
-    <a:fontScheme name="Стандартная">
-      <a:majorFont>
-        <a:latin typeface="Calibri Light" panose="020F0302020204030204"/>
-        <a:ea typeface=""/>
-        <a:cs typeface=""/>
-        <a:font script="Jpan" typeface="游ゴシック Light"/>
-        <a:font script="Hang" typeface="맑은 고딕"/>
-        <a:font script="Hans" typeface="等线 Light"/>
-        <a:font script="Hant" typeface="新細明體"/>
-        <a:font script="Arab" typeface="Times New Roman"/>
-        <a:font script="Hebr" typeface="Times New Roman"/>
-        <a:font script="Thai" typeface="Angsana New"/>
-        <a:font script="Ethi" typeface="Nyala"/>
-        <a:font script="Beng" typeface="Vrinda"/>
-        <a:font script="Gujr" typeface="Shruti"/>
-        <a:font script="Khmr" typeface="MoolBoran"/>
-        <a:font script="Knda" typeface="Tunga"/>
-        <a:font script="Guru" typeface="Raavi"/>
-        <a:font script="Cans" typeface="Euphemia"/>
-        <a:font script="Cher" typeface="Plantagenet Cherokee"/>
-        <a:font script="Yiii" typeface="Microsoft Yi Baiti"/>
-        <a:font script="Tibt" typeface="Microsoft Himalaya"/>
-        <a:font script="Thaa" typeface="MV Boli"/>
-        <a:font script="Deva" typeface="Mangal"/>
-        <a:font script="Telu" typeface="Gautami"/>
-        <a:font script="Taml" typeface="Latha"/>
-        <a:font script="Syrc" typeface="Estrangelo Edessa"/>
-        <a:font script="Orya" typeface="Kalinga"/>
-        <a:font script="Mlym" typeface="Kartika"/>
-        <a:font script="Laoo" typeface="DokChampa"/>
-        <a:font script="Sinh" typeface="Iskoola Pota"/>
-        <a:font script="Mong" typeface="Mongolian Baiti"/>
-        <a:font script="Viet" typeface="Times New Roman"/>
-        <a:font script="Uigh" typeface="Microsoft Uighur"/>
-        <a:font script="Geor" typeface="Sylfaen"/>
-        <a:font script="Armn" typeface="Arial"/>
-        <a:font script="Bugi" typeface="Leelawadee UI"/>
-        <a:font script="Bopo" typeface="Microsoft JhengHei"/>
-        <a:font script="Java" typeface="Javanese Text"/>
-        <a:font script="Lisu" typeface="Segoe UI"/>
-        <a:font script="Mymr" typeface="Myanmar Text"/>
-        <a:font script="Nkoo" typeface="Ebrima"/>
-        <a:font script="Olck" typeface="Nirmala UI"/>
-        <a:font script="Osma" typeface="Ebrima"/>
-        <a:font script="Phag" typeface="Phagspa"/>
-        <a:font script="Syrn" typeface="Estrangelo Edessa"/>
-        <a:font script="Syrj" typeface="Estrangelo Edessa"/>
-        <a:font script="Syre" typeface="Estrangelo Edessa"/>
-        <a:font script="Sora" typeface="Nirmala UI"/>
-        <a:font script="Tale" typeface="Microsoft Tai Le"/>
-        <a:font script="Talu" typeface="Microsoft New Tai Lue"/>
-        <a:font script="Tfng" typeface="Ebrima"/>
-      </a:majorFont>
-      <a:minorFont>
-        <a:latin typeface="Calibri" panose="020F0502020204030204"/>
-        <a:ea typeface=""/>
-        <a:cs typeface=""/>
-        <a:font script="Jpan" typeface="游ゴシック"/>
-        <a:font script="Hang" typeface="맑은 고딕"/>
-        <a:font script="Hans" typeface="等线"/>
-        <a:font script="Hant" typeface="新細明體"/>
-        <a:font script="Arab" typeface="Arial"/>
-        <a:font script="Hebr" typeface="Arial"/>
-        <a:font script="Thai" typeface="Cordia New"/>
-        <a:font script="Ethi" typeface="Nyala"/>
-        <a:font script="Beng" typeface="Vrinda"/>
-        <a:font script="Gujr" typeface="Shruti"/>
-        <a:font script="Khmr" typeface="DaunPenh"/>
-        <a:font script="Knda" typeface="Tunga"/>
-        <a:font script="Guru" typeface="Raavi"/>
-        <a:font script="Cans" typeface="Euphemia"/>
-        <a:font script="Cher" typeface="Plantagenet Cherokee"/>
-        <a:font script="Yiii" typeface="Microsoft Yi Baiti"/>
-        <a:font script="Tibt" typeface="Microsoft Himalaya"/>
-        <a:font script="Thaa" typeface="MV Boli"/>
-        <a:font script="Deva" typeface="Mangal"/>
-        <a:font script="Telu" typeface="Gautami"/>
-        <a:font script="Taml" typeface="Latha"/>
-        <a:font script="Syrc" typeface="Estrangelo Edessa"/>
-        <a:font script="Orya" typeface="Kalinga"/>
-        <a:font script="Mlym" typeface="Kartika"/>
-        <a:font script="Laoo" typeface="DokChampa"/>
-        <a:font script="Sinh" typeface="Iskoola Pota"/>
-        <a:font script="Mong" typeface="Mongolian Baiti"/>
-        <a:font script="Viet" typeface="Arial"/>
-        <a:font script="Uigh" typeface="Microsoft Uighur"/>
-        <a:font script="Geor" typeface="Sylfaen"/>
-        <a:font script="Armn" typeface="Arial"/>
-        <a:font script="Bugi" typeface="Leelawadee UI"/>
-        <a:font script="Bopo" typeface="Microsoft JhengHei"/>
-        <a:font script="Java" typeface="Javanese Text"/>
-        <a:font script="Lisu" typeface="Segoe UI"/>
-        <a:font script="Mymr" typeface="Myanmar Text"/>
-        <a:font script="Nkoo" typeface="Ebrima"/>
-        <a:font script="Olck" typeface="Nirmala UI"/>
-        <a:font script="Osma" typeface="Ebrima"/>
-        <a:font script="Phag" typeface="Phagspa"/>
-        <a:font script="Syrn" typeface="Estrangelo Edessa"/>
-        <a:font script="Syrj" typeface="Estrangelo Edessa"/>
-        <a:font script="Syre" typeface="Estrangelo Edessa"/>
-        <a:font script="Sora" typeface="Nirmala UI"/>
-        <a:font script="Tale" typeface="Microsoft Tai Le"/>
-        <a:font script="Talu" typeface="Microsoft New Tai Lue"/>
-        <a:font script="Tfng" typeface="Ebrima"/>
-      </a:minorFont>
-    </a:fontScheme>
-    <a:fmtScheme name="Стандартная">
-      <a:fillStyleLst>
-        <a:solidFill>
-          <a:schemeClr val="phClr"/>
-        </a:solidFill>
-        <a:gradFill rotWithShape="1">
-          <a:gsLst>
-            <a:gs pos="0">
-              <a:schemeClr val="phClr">
-                <a:lumMod val="110000"/>
-                <a:satMod val="105000"/>
-                <a:tint val="67000"/>
-              </a:schemeClr>
-            </a:gs>
-            <a:gs pos="50000">
-              <a:schemeClr val="phClr">
-                <a:lumMod val="105000"/>
-                <a:satMod val="103000"/>
-                <a:tint val="73000"/>
-              </a:schemeClr>
-            </a:gs>
-            <a:gs pos="100000">
-              <a:schemeClr val="phClr">
-                <a:lumMod val="105000"/>
-                <a:satMod val="109000"/>
-                <a:tint val="81000"/>
-              </a:schemeClr>
-            </a:gs>
-          </a:gsLst>
-          <a:lin ang="5400000" scaled="0"/>
-        </a:gradFill>
-        <a:gradFill rotWithShape="1">
-          <a:gsLst>
-            <a:gs pos="0">
-              <a:schemeClr val="phClr">
-                <a:satMod val="103000"/>
-                <a:lumMod val="102000"/>
-                <a:tint val="94000"/>
-              </a:schemeClr>
-            </a:gs>
-            <a:gs pos="50000">
-              <a:schemeClr val="phClr">
-                <a:satMod val="110000"/>
-                <a:lumMod val="100000"/>
-                <a:shade val="100000"/>
-              </a:schemeClr>
-            </a:gs>
-            <a:gs pos="100000">
-              <a:schemeClr val="phClr">
-                <a:lumMod val="99000"/>
-                <a:satMod val="120000"/>
-                <a:shade val="78000"/>
-              </a:schemeClr>
-            </a:gs>
-          </a:gsLst>
-          <a:lin ang="5400000" scaled="0"/>
-        </a:gradFill>
-      </a:fillStyleLst>
-      <a:lnStyleLst>
-        <a:ln w="6350" cap="flat" cmpd="sng" algn="ctr">
-          <a:solidFill>
-            <a:schemeClr val="phClr"/>
-          </a:solidFill>
-          <a:prstDash val="solid"/>
-          <a:miter lim="800000"/>
-        </a:ln>
-        <a:ln w="12700" cap="flat" cmpd="sng" algn="ctr">
-          <a:solidFill>
-            <a:schemeClr val="phClr"/>
-          </a:solidFill>
-          <a:prstDash val="solid"/>
-          <a:miter lim="800000"/>
-        </a:ln>
-        <a:ln w="19050" cap="flat" cmpd="sng" algn="ctr">
-          <a:solidFill>
-            <a:schemeClr val="phClr"/>
-          </a:solidFill>
-          <a:prstDash val="solid"/>
-          <a:miter lim="800000"/>
-        </a:ln>
-      </a:lnStyleLst>
-      <a:effectStyleLst>
-        <a:effectStyle>
-          <a:effectLst/>
-        </a:effectStyle>
-        <a:effectStyle>
-          <a:effectLst/>
-        </a:effectStyle>
-        <a:effectStyle>
-          <a:effectLst>
-            <a:outerShdw blurRad="57150" dist="19050" dir="5400000" algn="ctr" rotWithShape="0">
-              <a:srgbClr val="000000">
-                <a:alpha val="63000"/>
-              </a:srgbClr>
-            </a:outerShdw>
-          </a:effectLst>
-        </a:effectStyle>
-      </a:effectStyleLst>
-      <a:bgFillStyleLst>
-        <a:solidFill>
-          <a:schemeClr val="phClr"/>
-        </a:solidFill>
-        <a:solidFill>
-          <a:schemeClr val="phClr">
-            <a:tint val="95000"/>
-            <a:satMod val="170000"/>
-          </a:schemeClr>
-        </a:solidFill>
-        <a:gradFill rotWithShape="1">
-          <a:gsLst>
-            <a:gs pos="0">
-              <a:schemeClr val="phClr">
-                <a:tint val="93000"/>
-                <a:satMod val="150000"/>
-                <a:shade val="98000"/>
-                <a:lumMod val="102000"/>
-              </a:schemeClr>
-            </a:gs>
-            <a:gs pos="50000">
-              <a:schemeClr val="phClr">
-                <a:tint val="98000"/>
-                <a:satMod val="130000"/>
-                <a:shade val="90000"/>
-                <a:lumMod val="103000"/>
-              </a:schemeClr>
-            </a:gs>
-            <a:gs pos="100000">
-              <a:schemeClr val="phClr">
-                <a:shade val="63000"/>
-                <a:satMod val="120000"/>
-              </a:schemeClr>
-            </a:gs>
-          </a:gsLst>
-          <a:lin ang="5400000" scaled="0"/>
-        </a:gradFill>
-      </a:bgFillStyleLst>
-    </a:fmtScheme>
-  </a:themeElements>
-  <a:objectDefaults/>
-  <a:extraClrSchemeLst/>
-  <a:extLst>
-    <a:ext uri="{05A4C25C-085E-4340-85A3-A5531E510DB2}">
-      <thm15:themeFamily xmlns:thm15="http://schemas.microsoft.com/office/thememl/2012/main" name="Office Theme" id="{62F939B6-93AF-4DB8-9C6B-D6C7DFDC589F}" vid="{4A3C46E8-61CC-4603-A589-7422A47A8E4A}"/>
-    </a:ext>
-  </a:extLst>
-</a:theme>
 </file>